--- a/Documents/8. 발표/2. 최종발표/이젠컴퍼니.pptx
+++ b/Documents/8. 발표/2. 최종발표/이젠컴퍼니.pptx
@@ -269,7 +269,7 @@
           <a:p>
             <a:fld id="{F9C77CC9-092F-4D65-B38D-45CE7ECC2F4D}" type="datetimeFigureOut">
               <a:rPr lang="ko-KR" altLang="en-US" smtClean="0"/>
-              <a:t>2024-04-14</a:t>
+              <a:t>2024-04-15</a:t>
             </a:fld>
             <a:endParaRPr lang="ko-KR" altLang="en-US"/>
           </a:p>
@@ -467,7 +467,7 @@
           <a:p>
             <a:fld id="{F9C77CC9-092F-4D65-B38D-45CE7ECC2F4D}" type="datetimeFigureOut">
               <a:rPr lang="ko-KR" altLang="en-US" smtClean="0"/>
-              <a:t>2024-04-14</a:t>
+              <a:t>2024-04-15</a:t>
             </a:fld>
             <a:endParaRPr lang="ko-KR" altLang="en-US"/>
           </a:p>
@@ -675,7 +675,7 @@
           <a:p>
             <a:fld id="{F9C77CC9-092F-4D65-B38D-45CE7ECC2F4D}" type="datetimeFigureOut">
               <a:rPr lang="ko-KR" altLang="en-US" smtClean="0"/>
-              <a:t>2024-04-14</a:t>
+              <a:t>2024-04-15</a:t>
             </a:fld>
             <a:endParaRPr lang="ko-KR" altLang="en-US"/>
           </a:p>
@@ -873,7 +873,7 @@
           <a:p>
             <a:fld id="{F9C77CC9-092F-4D65-B38D-45CE7ECC2F4D}" type="datetimeFigureOut">
               <a:rPr lang="ko-KR" altLang="en-US" smtClean="0"/>
-              <a:t>2024-04-14</a:t>
+              <a:t>2024-04-15</a:t>
             </a:fld>
             <a:endParaRPr lang="ko-KR" altLang="en-US"/>
           </a:p>
@@ -1148,7 +1148,7 @@
           <a:p>
             <a:fld id="{F9C77CC9-092F-4D65-B38D-45CE7ECC2F4D}" type="datetimeFigureOut">
               <a:rPr lang="ko-KR" altLang="en-US" smtClean="0"/>
-              <a:t>2024-04-14</a:t>
+              <a:t>2024-04-15</a:t>
             </a:fld>
             <a:endParaRPr lang="ko-KR" altLang="en-US"/>
           </a:p>
@@ -1413,7 +1413,7 @@
           <a:p>
             <a:fld id="{F9C77CC9-092F-4D65-B38D-45CE7ECC2F4D}" type="datetimeFigureOut">
               <a:rPr lang="ko-KR" altLang="en-US" smtClean="0"/>
-              <a:t>2024-04-14</a:t>
+              <a:t>2024-04-15</a:t>
             </a:fld>
             <a:endParaRPr lang="ko-KR" altLang="en-US"/>
           </a:p>
@@ -1825,7 +1825,7 @@
           <a:p>
             <a:fld id="{F9C77CC9-092F-4D65-B38D-45CE7ECC2F4D}" type="datetimeFigureOut">
               <a:rPr lang="ko-KR" altLang="en-US" smtClean="0"/>
-              <a:t>2024-04-14</a:t>
+              <a:t>2024-04-15</a:t>
             </a:fld>
             <a:endParaRPr lang="ko-KR" altLang="en-US"/>
           </a:p>
@@ -1966,7 +1966,7 @@
           <a:p>
             <a:fld id="{F9C77CC9-092F-4D65-B38D-45CE7ECC2F4D}" type="datetimeFigureOut">
               <a:rPr lang="ko-KR" altLang="en-US" smtClean="0"/>
-              <a:t>2024-04-14</a:t>
+              <a:t>2024-04-15</a:t>
             </a:fld>
             <a:endParaRPr lang="ko-KR" altLang="en-US"/>
           </a:p>
@@ -2079,7 +2079,7 @@
           <a:p>
             <a:fld id="{F9C77CC9-092F-4D65-B38D-45CE7ECC2F4D}" type="datetimeFigureOut">
               <a:rPr lang="ko-KR" altLang="en-US" smtClean="0"/>
-              <a:t>2024-04-14</a:t>
+              <a:t>2024-04-15</a:t>
             </a:fld>
             <a:endParaRPr lang="ko-KR" altLang="en-US"/>
           </a:p>
@@ -2390,7 +2390,7 @@
           <a:p>
             <a:fld id="{F9C77CC9-092F-4D65-B38D-45CE7ECC2F4D}" type="datetimeFigureOut">
               <a:rPr lang="ko-KR" altLang="en-US" smtClean="0"/>
-              <a:t>2024-04-14</a:t>
+              <a:t>2024-04-15</a:t>
             </a:fld>
             <a:endParaRPr lang="ko-KR" altLang="en-US"/>
           </a:p>
@@ -2678,7 +2678,7 @@
           <a:p>
             <a:fld id="{F9C77CC9-092F-4D65-B38D-45CE7ECC2F4D}" type="datetimeFigureOut">
               <a:rPr lang="ko-KR" altLang="en-US" smtClean="0"/>
-              <a:t>2024-04-14</a:t>
+              <a:t>2024-04-15</a:t>
             </a:fld>
             <a:endParaRPr lang="ko-KR" altLang="en-US"/>
           </a:p>
@@ -2919,7 +2919,7 @@
           <a:p>
             <a:fld id="{F9C77CC9-092F-4D65-B38D-45CE7ECC2F4D}" type="datetimeFigureOut">
               <a:rPr lang="ko-KR" altLang="en-US" smtClean="0"/>
-              <a:t>2024-04-14</a:t>
+              <a:t>2024-04-15</a:t>
             </a:fld>
             <a:endParaRPr lang="ko-KR" altLang="en-US"/>
           </a:p>
@@ -5357,13 +5357,13 @@
   <p:clrMapOvr>
     <a:masterClrMapping/>
   </p:clrMapOvr>
-  <mc:AlternateContent xmlns:mc="http://schemas.openxmlformats.org/markup-compatibility/2006">
-    <mc:Choice xmlns:p14="http://schemas.microsoft.com/office/powerpoint/2010/main" Requires="p14">
+  <mc:AlternateContent xmlns:mc="http://schemas.openxmlformats.org/markup-compatibility/2006" xmlns:p14="http://schemas.microsoft.com/office/powerpoint/2010/main">
+    <mc:Choice Requires="p14">
       <p:transition spd="slow" p14:dur="1500">
         <p14:window dir="vert"/>
       </p:transition>
     </mc:Choice>
-    <mc:Fallback>
+    <mc:Fallback xmlns="">
       <p:transition spd="slow">
         <p:fade/>
       </p:transition>
@@ -6528,13 +6528,13 @@
   <p:clrMapOvr>
     <a:masterClrMapping/>
   </p:clrMapOvr>
-  <mc:AlternateContent xmlns:mc="http://schemas.openxmlformats.org/markup-compatibility/2006">
-    <mc:Choice xmlns:p14="http://schemas.microsoft.com/office/powerpoint/2010/main" Requires="p14">
+  <mc:AlternateContent xmlns:mc="http://schemas.openxmlformats.org/markup-compatibility/2006" xmlns:p14="http://schemas.microsoft.com/office/powerpoint/2010/main">
+    <mc:Choice Requires="p14">
       <p:transition spd="slow">
         <p14:flash/>
       </p:transition>
     </mc:Choice>
-    <mc:Fallback>
+    <mc:Fallback xmlns="">
       <p:transition spd="slow">
         <p:fade/>
       </p:transition>
@@ -9335,13 +9335,13 @@
   <p:clrMapOvr>
     <a:masterClrMapping/>
   </p:clrMapOvr>
-  <mc:AlternateContent xmlns:mc="http://schemas.openxmlformats.org/markup-compatibility/2006">
-    <mc:Choice xmlns:p14="http://schemas.microsoft.com/office/powerpoint/2010/main" Requires="p14">
+  <mc:AlternateContent xmlns:mc="http://schemas.openxmlformats.org/markup-compatibility/2006" xmlns:p14="http://schemas.microsoft.com/office/powerpoint/2010/main">
+    <mc:Choice Requires="p14">
       <p:transition spd="slow">
         <p14:flash/>
       </p:transition>
     </mc:Choice>
-    <mc:Fallback>
+    <mc:Fallback xmlns="">
       <p:transition spd="slow">
         <p:fade/>
       </p:transition>
@@ -10382,7 +10382,7 @@
           <p:spPr>
             <a:xfrm>
               <a:off x="1066691" y="4529972"/>
-              <a:ext cx="2920635" cy="276999"/>
+              <a:ext cx="2987219" cy="276999"/>
             </a:xfrm>
             <a:prstGeom prst="rect">
               <a:avLst/>
@@ -10400,7 +10400,21 @@
                   <a:latin typeface="나눔스퀘어OTF Bold" panose="020B0600000101010101" pitchFamily="34" charset="-127"/>
                   <a:ea typeface="나눔스퀘어OTF Bold" panose="020B0600000101010101" pitchFamily="34" charset="-127"/>
                 </a:rPr>
-                <a:t>블로그 개발</a:t>
+                <a:t>화면설계서</a:t>
+              </a:r>
+              <a:r>
+                <a:rPr lang="en-US" altLang="ko-KR" sz="1200" dirty="0">
+                  <a:latin typeface="나눔스퀘어OTF Bold" panose="020B0600000101010101" pitchFamily="34" charset="-127"/>
+                  <a:ea typeface="나눔스퀘어OTF Bold" panose="020B0600000101010101" pitchFamily="34" charset="-127"/>
+                </a:rPr>
+                <a:t>, </a:t>
+              </a:r>
+              <a:r>
+                <a:rPr lang="ko-KR" altLang="en-US" sz="1200" dirty="0">
+                  <a:latin typeface="나눔스퀘어OTF Bold" panose="020B0600000101010101" pitchFamily="34" charset="-127"/>
+                  <a:ea typeface="나눔스퀘어OTF Bold" panose="020B0600000101010101" pitchFamily="34" charset="-127"/>
+                </a:rPr>
+                <a:t>시퀀스 다이어그램</a:t>
               </a:r>
             </a:p>
           </p:txBody>
@@ -10434,16 +10448,12 @@
             <a:lstStyle/>
             <a:p>
               <a:r>
-                <a:rPr lang="ko-KR" altLang="en-US" sz="1200" dirty="0" err="1">
+                <a:rPr lang="ko-KR" altLang="en-US" sz="1200" dirty="0">
                   <a:latin typeface="나눔스퀘어OTF Bold" panose="020B0600000101010101" pitchFamily="34" charset="-127"/>
                   <a:ea typeface="나눔스퀘어OTF Bold" panose="020B0600000101010101" pitchFamily="34" charset="-127"/>
                 </a:rPr>
-                <a:t>ㄴㄴㄴ</a:t>
+                <a:t>프로토타이핑</a:t>
               </a:r>
-              <a:endParaRPr lang="ko-KR" altLang="en-US" sz="1200" dirty="0">
-                <a:latin typeface="나눔스퀘어OTF Bold" panose="020B0600000101010101" pitchFamily="34" charset="-127"/>
-                <a:ea typeface="나눔스퀘어OTF Bold" panose="020B0600000101010101" pitchFamily="34" charset="-127"/>
-              </a:endParaRPr>
             </a:p>
           </p:txBody>
         </p:sp>
@@ -10476,16 +10486,12 @@
             <a:lstStyle/>
             <a:p>
               <a:r>
-                <a:rPr lang="ko-KR" altLang="en-US" sz="1200" dirty="0" err="1">
+                <a:rPr lang="ko-KR" altLang="en-US" sz="1200" dirty="0">
                   <a:latin typeface="나눔스퀘어OTF Bold" panose="020B0600000101010101" pitchFamily="34" charset="-127"/>
                   <a:ea typeface="나눔스퀘어OTF Bold" panose="020B0600000101010101" pitchFamily="34" charset="-127"/>
                 </a:rPr>
-                <a:t>ㄴㄴㄴ</a:t>
+                <a:t>게시판 관리</a:t>
               </a:r>
-              <a:endParaRPr lang="ko-KR" altLang="en-US" sz="1200" dirty="0">
-                <a:latin typeface="나눔스퀘어OTF Bold" panose="020B0600000101010101" pitchFamily="34" charset="-127"/>
-                <a:ea typeface="나눔스퀘어OTF Bold" panose="020B0600000101010101" pitchFamily="34" charset="-127"/>
-              </a:endParaRPr>
             </a:p>
           </p:txBody>
         </p:sp>
@@ -10518,16 +10524,12 @@
             <a:lstStyle/>
             <a:p>
               <a:r>
-                <a:rPr lang="ko-KR" altLang="en-US" sz="1200" dirty="0" err="1">
+                <a:rPr lang="ko-KR" altLang="en-US" sz="1200" dirty="0">
                   <a:latin typeface="나눔스퀘어OTF Bold" panose="020B0600000101010101" pitchFamily="34" charset="-127"/>
                   <a:ea typeface="나눔스퀘어OTF Bold" panose="020B0600000101010101" pitchFamily="34" charset="-127"/>
                 </a:rPr>
-                <a:t>ㄴㄴㄴ</a:t>
+                <a:t>블로그</a:t>
               </a:r>
-              <a:endParaRPr lang="ko-KR" altLang="en-US" sz="1200" dirty="0">
-                <a:latin typeface="나눔스퀘어OTF Bold" panose="020B0600000101010101" pitchFamily="34" charset="-127"/>
-                <a:ea typeface="나눔스퀘어OTF Bold" panose="020B0600000101010101" pitchFamily="34" charset="-127"/>
-              </a:endParaRPr>
             </a:p>
           </p:txBody>
         </p:sp>
@@ -10797,8 +10799,74 @@
           </p:nvSpPr>
           <p:spPr>
             <a:xfrm>
-              <a:off x="1054112" y="4081750"/>
-              <a:ext cx="2920635" cy="276999"/>
+              <a:off x="1054111" y="4081750"/>
+              <a:ext cx="3093196" cy="276999"/>
+            </a:xfrm>
+            <a:prstGeom prst="rect">
+              <a:avLst/>
+            </a:prstGeom>
+            <a:noFill/>
+          </p:spPr>
+          <p:txBody>
+            <a:bodyPr wrap="square" rtlCol="0">
+              <a:spAutoFit/>
+            </a:bodyPr>
+            <a:lstStyle/>
+            <a:p>
+              <a:r>
+                <a:rPr lang="en-US" altLang="ko-KR" sz="1200" dirty="0">
+                  <a:latin typeface="나눔스퀘어OTF Bold" panose="020B0600000101010101" pitchFamily="34" charset="-127"/>
+                  <a:ea typeface="나눔스퀘어OTF Bold" panose="020B0600000101010101" pitchFamily="34" charset="-127"/>
+                </a:rPr>
+                <a:t>DB </a:t>
+              </a:r>
+              <a:r>
+                <a:rPr lang="ko-KR" altLang="en-US" sz="1200" dirty="0">
+                  <a:latin typeface="나눔스퀘어OTF Bold" panose="020B0600000101010101" pitchFamily="34" charset="-127"/>
+                  <a:ea typeface="나눔스퀘어OTF Bold" panose="020B0600000101010101" pitchFamily="34" charset="-127"/>
+                </a:rPr>
+                <a:t>설계</a:t>
+              </a:r>
+              <a:r>
+                <a:rPr lang="en-US" altLang="ko-KR" sz="1200" dirty="0">
+                  <a:latin typeface="나눔스퀘어OTF Bold" panose="020B0600000101010101" pitchFamily="34" charset="-127"/>
+                  <a:ea typeface="나눔스퀘어OTF Bold" panose="020B0600000101010101" pitchFamily="34" charset="-127"/>
+                </a:rPr>
+                <a:t>, </a:t>
+              </a:r>
+              <a:r>
+                <a:rPr lang="ko-KR" altLang="en-US" sz="1200" dirty="0" err="1">
+                  <a:latin typeface="나눔스퀘어OTF Bold" panose="020B0600000101010101" pitchFamily="34" charset="-127"/>
+                  <a:ea typeface="나눔스퀘어OTF Bold" panose="020B0600000101010101" pitchFamily="34" charset="-127"/>
+                </a:rPr>
+                <a:t>유스케이스</a:t>
+              </a:r>
+              <a:r>
+                <a:rPr lang="ko-KR" altLang="en-US" sz="1200" dirty="0">
+                  <a:latin typeface="나눔스퀘어OTF Bold" panose="020B0600000101010101" pitchFamily="34" charset="-127"/>
+                  <a:ea typeface="나눔스퀘어OTF Bold" panose="020B0600000101010101" pitchFamily="34" charset="-127"/>
+                </a:rPr>
+                <a:t> 다이어그램</a:t>
+              </a:r>
+            </a:p>
+          </p:txBody>
+        </p:sp>
+        <p:sp>
+          <p:nvSpPr>
+            <p:cNvPr id="157" name="TextBox 156">
+              <a:extLst>
+                <a:ext uri="{FF2B5EF4-FFF2-40B4-BE49-F238E27FC236}">
+                  <a16:creationId xmlns:a16="http://schemas.microsoft.com/office/drawing/2014/main" id="{B3777908-30B6-4359-8306-EE27C5BD43CB}"/>
+                </a:ext>
+              </a:extLst>
+            </p:cNvPr>
+            <p:cNvSpPr txBox="1"/>
+            <p:nvPr/>
+          </p:nvSpPr>
+          <p:spPr>
+            <a:xfrm>
+              <a:off x="1066691" y="4529972"/>
+              <a:ext cx="3080616" cy="276999"/>
             </a:xfrm>
             <a:prstGeom prst="rect">
               <a:avLst/>
@@ -10816,17 +10884,17 @@
                   <a:latin typeface="나눔스퀘어OTF Bold" panose="020B0600000101010101" pitchFamily="34" charset="-127"/>
                   <a:ea typeface="나눔스퀘어OTF Bold" panose="020B0600000101010101" pitchFamily="34" charset="-127"/>
                 </a:rPr>
-                <a:t>프로젝트 관리</a:t>
+                <a:t>프로토타이핑</a:t>
               </a:r>
             </a:p>
           </p:txBody>
         </p:sp>
         <p:sp>
           <p:nvSpPr>
-            <p:cNvPr id="157" name="TextBox 156">
+            <p:cNvPr id="158" name="TextBox 157">
               <a:extLst>
                 <a:ext uri="{FF2B5EF4-FFF2-40B4-BE49-F238E27FC236}">
-                  <a16:creationId xmlns:a16="http://schemas.microsoft.com/office/drawing/2014/main" id="{B3777908-30B6-4359-8306-EE27C5BD43CB}"/>
+                  <a16:creationId xmlns:a16="http://schemas.microsoft.com/office/drawing/2014/main" id="{157D77A9-BEF4-419C-9F10-A23973D0F39E}"/>
                 </a:ext>
               </a:extLst>
             </p:cNvPr>
@@ -10835,7 +10903,7 @@
           </p:nvSpPr>
           <p:spPr>
             <a:xfrm>
-              <a:off x="1066691" y="4529972"/>
+              <a:off x="1066691" y="4978194"/>
               <a:ext cx="2920635" cy="276999"/>
             </a:xfrm>
             <a:prstGeom prst="rect">
@@ -10854,50 +10922,8 @@
                   <a:latin typeface="나눔스퀘어OTF Bold" panose="020B0600000101010101" pitchFamily="34" charset="-127"/>
                   <a:ea typeface="나눔스퀘어OTF Bold" panose="020B0600000101010101" pitchFamily="34" charset="-127"/>
                 </a:rPr>
-                <a:t>블로그 개발</a:t>
+                <a:t>회원 관리</a:t>
               </a:r>
-            </a:p>
-          </p:txBody>
-        </p:sp>
-        <p:sp>
-          <p:nvSpPr>
-            <p:cNvPr id="158" name="TextBox 157">
-              <a:extLst>
-                <a:ext uri="{FF2B5EF4-FFF2-40B4-BE49-F238E27FC236}">
-                  <a16:creationId xmlns:a16="http://schemas.microsoft.com/office/drawing/2014/main" id="{157D77A9-BEF4-419C-9F10-A23973D0F39E}"/>
-                </a:ext>
-              </a:extLst>
-            </p:cNvPr>
-            <p:cNvSpPr txBox="1"/>
-            <p:nvPr/>
-          </p:nvSpPr>
-          <p:spPr>
-            <a:xfrm>
-              <a:off x="1066691" y="4978194"/>
-              <a:ext cx="2920635" cy="276999"/>
-            </a:xfrm>
-            <a:prstGeom prst="rect">
-              <a:avLst/>
-            </a:prstGeom>
-            <a:noFill/>
-          </p:spPr>
-          <p:txBody>
-            <a:bodyPr wrap="square" rtlCol="0">
-              <a:spAutoFit/>
-            </a:bodyPr>
-            <a:lstStyle/>
-            <a:p>
-              <a:r>
-                <a:rPr lang="ko-KR" altLang="en-US" sz="1200" dirty="0" err="1">
-                  <a:latin typeface="나눔스퀘어OTF Bold" panose="020B0600000101010101" pitchFamily="34" charset="-127"/>
-                  <a:ea typeface="나눔스퀘어OTF Bold" panose="020B0600000101010101" pitchFamily="34" charset="-127"/>
-                </a:rPr>
-                <a:t>ㄴㄴㄴ</a:t>
-              </a:r>
-              <a:endParaRPr lang="ko-KR" altLang="en-US" sz="1200" dirty="0">
-                <a:latin typeface="나눔스퀘어OTF Bold" panose="020B0600000101010101" pitchFamily="34" charset="-127"/>
-                <a:ea typeface="나눔스퀘어OTF Bold" panose="020B0600000101010101" pitchFamily="34" charset="-127"/>
-              </a:endParaRPr>
             </a:p>
           </p:txBody>
         </p:sp>
@@ -10930,16 +10956,26 @@
             <a:lstStyle/>
             <a:p>
               <a:r>
-                <a:rPr lang="ko-KR" altLang="en-US" sz="1200" dirty="0" err="1">
+                <a:rPr lang="ko-KR" altLang="en-US" sz="1200" dirty="0">
                   <a:latin typeface="나눔스퀘어OTF Bold" panose="020B0600000101010101" pitchFamily="34" charset="-127"/>
                   <a:ea typeface="나눔스퀘어OTF Bold" panose="020B0600000101010101" pitchFamily="34" charset="-127"/>
                 </a:rPr>
-                <a:t>ㄴㄴㄴ</a:t>
+                <a:t>채팅</a:t>
               </a:r>
-              <a:endParaRPr lang="ko-KR" altLang="en-US" sz="1200" dirty="0">
-                <a:latin typeface="나눔스퀘어OTF Bold" panose="020B0600000101010101" pitchFamily="34" charset="-127"/>
-                <a:ea typeface="나눔스퀘어OTF Bold" panose="020B0600000101010101" pitchFamily="34" charset="-127"/>
-              </a:endParaRPr>
+              <a:r>
+                <a:rPr lang="en-US" altLang="ko-KR" sz="1200" dirty="0">
+                  <a:latin typeface="나눔스퀘어OTF Bold" panose="020B0600000101010101" pitchFamily="34" charset="-127"/>
+                  <a:ea typeface="나눔스퀘어OTF Bold" panose="020B0600000101010101" pitchFamily="34" charset="-127"/>
+                </a:rPr>
+                <a:t>, </a:t>
+              </a:r>
+              <a:r>
+                <a:rPr lang="ko-KR" altLang="en-US" sz="1200" dirty="0">
+                  <a:latin typeface="나눔스퀘어OTF Bold" panose="020B0600000101010101" pitchFamily="34" charset="-127"/>
+                  <a:ea typeface="나눔스퀘어OTF Bold" panose="020B0600000101010101" pitchFamily="34" charset="-127"/>
+                </a:rPr>
+                <a:t>게시판 목록</a:t>
+              </a:r>
             </a:p>
           </p:txBody>
         </p:sp>
@@ -10972,16 +11008,12 @@
             <a:lstStyle/>
             <a:p>
               <a:r>
-                <a:rPr lang="ko-KR" altLang="en-US" sz="1200" dirty="0" err="1">
+                <a:rPr lang="ko-KR" altLang="en-US" sz="1200" dirty="0">
                   <a:latin typeface="나눔스퀘어OTF Bold" panose="020B0600000101010101" pitchFamily="34" charset="-127"/>
                   <a:ea typeface="나눔스퀘어OTF Bold" panose="020B0600000101010101" pitchFamily="34" charset="-127"/>
                 </a:rPr>
-                <a:t>ㄴㄴㄴ</a:t>
+                <a:t>배포</a:t>
               </a:r>
-              <a:endParaRPr lang="ko-KR" altLang="en-US" sz="1200" dirty="0">
-                <a:latin typeface="나눔스퀘어OTF Bold" panose="020B0600000101010101" pitchFamily="34" charset="-127"/>
-                <a:ea typeface="나눔스퀘어OTF Bold" panose="020B0600000101010101" pitchFamily="34" charset="-127"/>
-              </a:endParaRPr>
             </a:p>
           </p:txBody>
         </p:sp>
@@ -11270,7 +11302,7 @@
                   <a:latin typeface="나눔스퀘어OTF Bold" panose="020B0600000101010101" pitchFamily="34" charset="-127"/>
                   <a:ea typeface="나눔스퀘어OTF Bold" panose="020B0600000101010101" pitchFamily="34" charset="-127"/>
                 </a:rPr>
-                <a:t>프로젝트 관리</a:t>
+                <a:t>요구분석서</a:t>
               </a:r>
             </a:p>
           </p:txBody>
@@ -11308,7 +11340,7 @@
                   <a:latin typeface="나눔스퀘어OTF Bold" panose="020B0600000101010101" pitchFamily="34" charset="-127"/>
                   <a:ea typeface="나눔스퀘어OTF Bold" panose="020B0600000101010101" pitchFamily="34" charset="-127"/>
                 </a:rPr>
-                <a:t>블로그 개발</a:t>
+                <a:t>게시판</a:t>
               </a:r>
             </a:p>
           </p:txBody>
@@ -11341,13 +11373,6 @@
             </a:bodyPr>
             <a:lstStyle/>
             <a:p>
-              <a:r>
-                <a:rPr lang="ko-KR" altLang="en-US" sz="1200" dirty="0" err="1">
-                  <a:latin typeface="나눔스퀘어OTF Bold" panose="020B0600000101010101" pitchFamily="34" charset="-127"/>
-                  <a:ea typeface="나눔스퀘어OTF Bold" panose="020B0600000101010101" pitchFamily="34" charset="-127"/>
-                </a:rPr>
-                <a:t>ㄴㄴㄴ</a:t>
-              </a:r>
               <a:endParaRPr lang="ko-KR" altLang="en-US" sz="1200" dirty="0">
                 <a:latin typeface="나눔스퀘어OTF Bold" panose="020B0600000101010101" pitchFamily="34" charset="-127"/>
                 <a:ea typeface="나눔스퀘어OTF Bold" panose="020B0600000101010101" pitchFamily="34" charset="-127"/>
@@ -11383,13 +11408,6 @@
             </a:bodyPr>
             <a:lstStyle/>
             <a:p>
-              <a:r>
-                <a:rPr lang="ko-KR" altLang="en-US" sz="1200" dirty="0" err="1">
-                  <a:latin typeface="나눔스퀘어OTF Bold" panose="020B0600000101010101" pitchFamily="34" charset="-127"/>
-                  <a:ea typeface="나눔스퀘어OTF Bold" panose="020B0600000101010101" pitchFamily="34" charset="-127"/>
-                </a:rPr>
-                <a:t>ㄴㄴㄴ</a:t>
-              </a:r>
               <a:endParaRPr lang="ko-KR" altLang="en-US" sz="1200" dirty="0">
                 <a:latin typeface="나눔스퀘어OTF Bold" panose="020B0600000101010101" pitchFamily="34" charset="-127"/>
                 <a:ea typeface="나눔스퀘어OTF Bold" panose="020B0600000101010101" pitchFamily="34" charset="-127"/>
@@ -11425,13 +11443,6 @@
             </a:bodyPr>
             <a:lstStyle/>
             <a:p>
-              <a:r>
-                <a:rPr lang="ko-KR" altLang="en-US" sz="1200" dirty="0" err="1">
-                  <a:latin typeface="나눔스퀘어OTF Bold" panose="020B0600000101010101" pitchFamily="34" charset="-127"/>
-                  <a:ea typeface="나눔스퀘어OTF Bold" panose="020B0600000101010101" pitchFamily="34" charset="-127"/>
-                </a:rPr>
-                <a:t>ㄴㄴㄴ</a:t>
-              </a:r>
               <a:endParaRPr lang="ko-KR" altLang="en-US" sz="1200" dirty="0">
                 <a:latin typeface="나눔스퀘어OTF Bold" panose="020B0600000101010101" pitchFamily="34" charset="-127"/>
                 <a:ea typeface="나눔스퀘어OTF Bold" panose="020B0600000101010101" pitchFamily="34" charset="-127"/>
@@ -12772,7 +12783,7 @@
         <p:spPr>
           <a:xfrm>
             <a:off x="879287" y="4476734"/>
-            <a:ext cx="3042941" cy="523220"/>
+            <a:ext cx="3042941" cy="738664"/>
           </a:xfrm>
           <a:prstGeom prst="rect">
             <a:avLst/>
@@ -12793,17 +12804,18 @@
                 <a:latin typeface="나눔스퀘어OTF" panose="020B0600000101010101" pitchFamily="34" charset="-127"/>
                 <a:ea typeface="나눔스퀘어OTF" panose="020B0600000101010101" pitchFamily="34" charset="-127"/>
               </a:rPr>
-              <a:t>스프링 프레임워크를 이용해 </a:t>
+              <a:t>사내의 업무 보고용 블로그 및 회사에 맞는 게시판 커뮤니티 지원</a:t>
             </a:r>
-            <a:endParaRPr lang="en-US" altLang="ko-KR" sz="1400" dirty="0">
-              <a:solidFill>
-                <a:srgbClr val="8295E4"/>
-              </a:solidFill>
-              <a:latin typeface="나눔스퀘어OTF" panose="020B0600000101010101" pitchFamily="34" charset="-127"/>
-              <a:ea typeface="나눔스퀘어OTF" panose="020B0600000101010101" pitchFamily="34" charset="-127"/>
-            </a:endParaRPr>
-          </a:p>
-          <a:p>
+            <a:r>
+              <a:rPr lang="en-US" altLang="ko-KR" sz="1400" dirty="0">
+                <a:solidFill>
+                  <a:srgbClr val="8295E4"/>
+                </a:solidFill>
+                <a:latin typeface="나눔스퀘어OTF" panose="020B0600000101010101" pitchFamily="34" charset="-127"/>
+                <a:ea typeface="나눔스퀘어OTF" panose="020B0600000101010101" pitchFamily="34" charset="-127"/>
+              </a:rPr>
+              <a:t>, </a:t>
+            </a:r>
             <a:r>
               <a:rPr lang="ko-KR" altLang="en-US" sz="1400" dirty="0">
                 <a:solidFill>
@@ -12812,7 +12824,7 @@
                 <a:latin typeface="나눔스퀘어OTF" panose="020B0600000101010101" pitchFamily="34" charset="-127"/>
                 <a:ea typeface="나눔스퀘어OTF" panose="020B0600000101010101" pitchFamily="34" charset="-127"/>
               </a:rPr>
-              <a:t>기업 커뮤니티 게시판을 구현해보고 </a:t>
+              <a:t>간단한 채팅 지원</a:t>
             </a:r>
           </a:p>
         </p:txBody>
@@ -12878,6 +12890,222 @@
           <a:xfrm>
             <a:off x="8603695" y="2599414"/>
             <a:ext cx="2740828" cy="307777"/>
+          </a:xfrm>
+          <a:prstGeom prst="rect">
+            <a:avLst/>
+          </a:prstGeom>
+          <a:noFill/>
+        </p:spPr>
+        <p:txBody>
+          <a:bodyPr wrap="square" rtlCol="0">
+            <a:spAutoFit/>
+          </a:bodyPr>
+          <a:lstStyle/>
+          <a:p>
+            <a:pPr algn="r"/>
+            <a:r>
+              <a:rPr lang="en-US" altLang="ko-KR" sz="1400" dirty="0">
+                <a:solidFill>
+                  <a:srgbClr val="8295E4"/>
+                </a:solidFill>
+                <a:latin typeface="나눔스퀘어OTF" panose="020B0600000101010101" pitchFamily="34" charset="-127"/>
+                <a:ea typeface="나눔스퀘어OTF" panose="020B0600000101010101" pitchFamily="34" charset="-127"/>
+              </a:rPr>
+              <a:t>2024.03.19</a:t>
+            </a:r>
+            <a:r>
+              <a:rPr lang="ko-KR" altLang="en-US" sz="1400" dirty="0">
+                <a:solidFill>
+                  <a:srgbClr val="8295E4"/>
+                </a:solidFill>
+                <a:latin typeface="나눔스퀘어OTF" panose="020B0600000101010101" pitchFamily="34" charset="-127"/>
+                <a:ea typeface="나눔스퀘어OTF" panose="020B0600000101010101" pitchFamily="34" charset="-127"/>
+              </a:rPr>
+              <a:t> </a:t>
+            </a:r>
+            <a:r>
+              <a:rPr lang="en-US" altLang="ko-KR" sz="1400" dirty="0">
+                <a:solidFill>
+                  <a:srgbClr val="8295E4"/>
+                </a:solidFill>
+                <a:latin typeface="나눔스퀘어OTF" panose="020B0600000101010101" pitchFamily="34" charset="-127"/>
+                <a:ea typeface="나눔스퀘어OTF" panose="020B0600000101010101" pitchFamily="34" charset="-127"/>
+              </a:rPr>
+              <a:t>~</a:t>
+            </a:r>
+            <a:r>
+              <a:rPr lang="ko-KR" altLang="en-US" sz="1400" dirty="0">
+                <a:solidFill>
+                  <a:srgbClr val="8295E4"/>
+                </a:solidFill>
+                <a:latin typeface="나눔스퀘어OTF" panose="020B0600000101010101" pitchFamily="34" charset="-127"/>
+                <a:ea typeface="나눔스퀘어OTF" panose="020B0600000101010101" pitchFamily="34" charset="-127"/>
+              </a:rPr>
+              <a:t> </a:t>
+            </a:r>
+            <a:r>
+              <a:rPr lang="en-US" altLang="ko-KR" sz="1400" dirty="0">
+                <a:solidFill>
+                  <a:srgbClr val="8295E4"/>
+                </a:solidFill>
+                <a:latin typeface="나눔스퀘어OTF" panose="020B0600000101010101" pitchFamily="34" charset="-127"/>
+                <a:ea typeface="나눔스퀘어OTF" panose="020B0600000101010101" pitchFamily="34" charset="-127"/>
+              </a:rPr>
+              <a:t>2024.04.16</a:t>
+            </a:r>
+            <a:endParaRPr lang="ko-KR" altLang="en-US" sz="1400" dirty="0">
+              <a:solidFill>
+                <a:srgbClr val="8295E4"/>
+              </a:solidFill>
+              <a:latin typeface="나눔스퀘어OTF" panose="020B0600000101010101" pitchFamily="34" charset="-127"/>
+              <a:ea typeface="나눔스퀘어OTF" panose="020B0600000101010101" pitchFamily="34" charset="-127"/>
+            </a:endParaRPr>
+          </a:p>
+        </p:txBody>
+      </p:sp>
+      <p:sp>
+        <p:nvSpPr>
+          <p:cNvPr id="121" name="TextBox 120">
+            <a:extLst>
+              <a:ext uri="{FF2B5EF4-FFF2-40B4-BE49-F238E27FC236}">
+                <a16:creationId xmlns:a16="http://schemas.microsoft.com/office/drawing/2014/main" id="{6F5AA652-D447-44E3-BE08-ED5636BFF1DA}"/>
+              </a:ext>
+            </a:extLst>
+          </p:cNvPr>
+          <p:cNvSpPr txBox="1"/>
+          <p:nvPr/>
+        </p:nvSpPr>
+        <p:spPr>
+          <a:xfrm>
+            <a:off x="8452869" y="3785566"/>
+            <a:ext cx="2920635" cy="523220"/>
+          </a:xfrm>
+          <a:prstGeom prst="rect">
+            <a:avLst/>
+          </a:prstGeom>
+          <a:noFill/>
+        </p:spPr>
+        <p:txBody>
+          <a:bodyPr wrap="square" rtlCol="0">
+            <a:spAutoFit/>
+          </a:bodyPr>
+          <a:lstStyle/>
+          <a:p>
+            <a:pPr algn="r"/>
+            <a:r>
+              <a:rPr lang="ko-KR" altLang="en-US" sz="2800" b="1" dirty="0">
+                <a:solidFill>
+                  <a:schemeClr val="tx1">
+                    <a:lumMod val="95000"/>
+                    <a:lumOff val="5000"/>
+                  </a:schemeClr>
+                </a:solidFill>
+                <a:latin typeface="나눔스퀘어OTF Bold" panose="020B0600000101010101" pitchFamily="34" charset="-127"/>
+                <a:ea typeface="나눔스퀘어OTF Bold" panose="020B0600000101010101" pitchFamily="34" charset="-127"/>
+              </a:rPr>
+              <a:t>개발내역</a:t>
+            </a:r>
+          </a:p>
+        </p:txBody>
+      </p:sp>
+      <p:sp>
+        <p:nvSpPr>
+          <p:cNvPr id="122" name="TextBox 121">
+            <a:extLst>
+              <a:ext uri="{FF2B5EF4-FFF2-40B4-BE49-F238E27FC236}">
+                <a16:creationId xmlns:a16="http://schemas.microsoft.com/office/drawing/2014/main" id="{8C309CFB-CD4C-4BEA-B24D-CD6D2E819C1E}"/>
+              </a:ext>
+            </a:extLst>
+          </p:cNvPr>
+          <p:cNvSpPr txBox="1"/>
+          <p:nvPr/>
+        </p:nvSpPr>
+        <p:spPr>
+          <a:xfrm>
+            <a:off x="9755524" y="4476734"/>
+            <a:ext cx="1621910" cy="738664"/>
+          </a:xfrm>
+          <a:prstGeom prst="rect">
+            <a:avLst/>
+          </a:prstGeom>
+          <a:noFill/>
+        </p:spPr>
+        <p:txBody>
+          <a:bodyPr wrap="square" rtlCol="0">
+            <a:spAutoFit/>
+          </a:bodyPr>
+          <a:lstStyle/>
+          <a:p>
+            <a:pPr algn="r"/>
+            <a:r>
+              <a:rPr lang="ko-KR" altLang="en-US" sz="1400" dirty="0">
+                <a:solidFill>
+                  <a:srgbClr val="8295E4"/>
+                </a:solidFill>
+                <a:latin typeface="나눔스퀘어OTF" panose="020B0600000101010101" pitchFamily="34" charset="-127"/>
+                <a:ea typeface="나눔스퀘어OTF" panose="020B0600000101010101" pitchFamily="34" charset="-127"/>
+              </a:rPr>
+              <a:t>주제선정</a:t>
+            </a:r>
+            <a:endParaRPr lang="en-US" altLang="ko-KR" sz="1400" dirty="0">
+              <a:solidFill>
+                <a:srgbClr val="8295E4"/>
+              </a:solidFill>
+              <a:latin typeface="나눔스퀘어OTF" panose="020B0600000101010101" pitchFamily="34" charset="-127"/>
+              <a:ea typeface="나눔스퀘어OTF" panose="020B0600000101010101" pitchFamily="34" charset="-127"/>
+            </a:endParaRPr>
+          </a:p>
+          <a:p>
+            <a:pPr algn="r"/>
+            <a:r>
+              <a:rPr lang="ko-KR" altLang="en-US" sz="1400" dirty="0" err="1">
+                <a:solidFill>
+                  <a:srgbClr val="8295E4"/>
+                </a:solidFill>
+                <a:latin typeface="나눔스퀘어OTF" panose="020B0600000101010101" pitchFamily="34" charset="-127"/>
+                <a:ea typeface="나눔스퀘어OTF" panose="020B0600000101010101" pitchFamily="34" charset="-127"/>
+              </a:rPr>
+              <a:t>유즈케이스</a:t>
+            </a:r>
+            <a:r>
+              <a:rPr lang="ko-KR" altLang="en-US" sz="1400" dirty="0">
+                <a:solidFill>
+                  <a:srgbClr val="8295E4"/>
+                </a:solidFill>
+                <a:latin typeface="나눔스퀘어OTF" panose="020B0600000101010101" pitchFamily="34" charset="-127"/>
+                <a:ea typeface="나눔스퀘어OTF" panose="020B0600000101010101" pitchFamily="34" charset="-127"/>
+              </a:rPr>
+              <a:t> 작성</a:t>
+            </a:r>
+          </a:p>
+          <a:p>
+            <a:pPr algn="r"/>
+            <a:endParaRPr lang="ko-KR" altLang="en-US" sz="1400" dirty="0">
+              <a:solidFill>
+                <a:srgbClr val="8295E4"/>
+              </a:solidFill>
+              <a:latin typeface="나눔스퀘어OTF" panose="020B0600000101010101" pitchFamily="34" charset="-127"/>
+              <a:ea typeface="나눔스퀘어OTF" panose="020B0600000101010101" pitchFamily="34" charset="-127"/>
+            </a:endParaRPr>
+          </a:p>
+        </p:txBody>
+      </p:sp>
+      <p:sp>
+        <p:nvSpPr>
+          <p:cNvPr id="38" name="TextBox 37">
+            <a:extLst>
+              <a:ext uri="{FF2B5EF4-FFF2-40B4-BE49-F238E27FC236}">
+                <a16:creationId xmlns:a16="http://schemas.microsoft.com/office/drawing/2014/main" id="{EBC5B28C-194A-4655-AC5D-8B200944424E}"/>
+              </a:ext>
+            </a:extLst>
+          </p:cNvPr>
+          <p:cNvSpPr txBox="1"/>
+          <p:nvPr/>
+        </p:nvSpPr>
+        <p:spPr>
+          <a:xfrm>
+            <a:off x="7287684" y="4471597"/>
+            <a:ext cx="2632022" cy="738664"/>
           </a:xfrm>
           <a:prstGeom prst="rect">
             <a:avLst/>
@@ -12939,159 +13167,8 @@
                 <a:latin typeface="나눔스퀘어OTF" panose="020B0600000101010101" pitchFamily="34" charset="-127"/>
                 <a:ea typeface="나눔스퀘어OTF" panose="020B0600000101010101" pitchFamily="34" charset="-127"/>
               </a:rPr>
-              <a:t>2024.04.16</a:t>
+              <a:t>2024.04.16 :</a:t>
             </a:r>
-            <a:endParaRPr lang="ko-KR" altLang="en-US" sz="1400" dirty="0">
-              <a:solidFill>
-                <a:srgbClr val="8295E4"/>
-              </a:solidFill>
-              <a:latin typeface="나눔스퀘어OTF" panose="020B0600000101010101" pitchFamily="34" charset="-127"/>
-              <a:ea typeface="나눔스퀘어OTF" panose="020B0600000101010101" pitchFamily="34" charset="-127"/>
-            </a:endParaRPr>
-          </a:p>
-        </p:txBody>
-      </p:sp>
-      <p:sp>
-        <p:nvSpPr>
-          <p:cNvPr id="121" name="TextBox 120">
-            <a:extLst>
-              <a:ext uri="{FF2B5EF4-FFF2-40B4-BE49-F238E27FC236}">
-                <a16:creationId xmlns:a16="http://schemas.microsoft.com/office/drawing/2014/main" id="{6F5AA652-D447-44E3-BE08-ED5636BFF1DA}"/>
-              </a:ext>
-            </a:extLst>
-          </p:cNvPr>
-          <p:cNvSpPr txBox="1"/>
-          <p:nvPr/>
-        </p:nvSpPr>
-        <p:spPr>
-          <a:xfrm>
-            <a:off x="8452869" y="3785566"/>
-            <a:ext cx="2920635" cy="523220"/>
-          </a:xfrm>
-          <a:prstGeom prst="rect">
-            <a:avLst/>
-          </a:prstGeom>
-          <a:noFill/>
-        </p:spPr>
-        <p:txBody>
-          <a:bodyPr wrap="square" rtlCol="0">
-            <a:spAutoFit/>
-          </a:bodyPr>
-          <a:lstStyle/>
-          <a:p>
-            <a:pPr algn="r"/>
-            <a:r>
-              <a:rPr lang="ko-KR" altLang="en-US" sz="2800" b="1" dirty="0">
-                <a:solidFill>
-                  <a:schemeClr val="tx1">
-                    <a:lumMod val="95000"/>
-                    <a:lumOff val="5000"/>
-                  </a:schemeClr>
-                </a:solidFill>
-                <a:latin typeface="나눔스퀘어OTF Bold" panose="020B0600000101010101" pitchFamily="34" charset="-127"/>
-                <a:ea typeface="나눔스퀘어OTF Bold" panose="020B0600000101010101" pitchFamily="34" charset="-127"/>
-              </a:rPr>
-              <a:t>개발내역</a:t>
-            </a:r>
-          </a:p>
-        </p:txBody>
-      </p:sp>
-      <p:sp>
-        <p:nvSpPr>
-          <p:cNvPr id="122" name="TextBox 121">
-            <a:extLst>
-              <a:ext uri="{FF2B5EF4-FFF2-40B4-BE49-F238E27FC236}">
-                <a16:creationId xmlns:a16="http://schemas.microsoft.com/office/drawing/2014/main" id="{8C309CFB-CD4C-4BEA-B24D-CD6D2E819C1E}"/>
-              </a:ext>
-            </a:extLst>
-          </p:cNvPr>
-          <p:cNvSpPr txBox="1"/>
-          <p:nvPr/>
-        </p:nvSpPr>
-        <p:spPr>
-          <a:xfrm>
-            <a:off x="7584141" y="4476734"/>
-            <a:ext cx="3793293" cy="738664"/>
-          </a:xfrm>
-          <a:prstGeom prst="rect">
-            <a:avLst/>
-          </a:prstGeom>
-          <a:noFill/>
-        </p:spPr>
-        <p:txBody>
-          <a:bodyPr wrap="square" rtlCol="0">
-            <a:spAutoFit/>
-          </a:bodyPr>
-          <a:lstStyle/>
-          <a:p>
-            <a:pPr algn="r"/>
-            <a:r>
-              <a:rPr lang="en-US" altLang="ko-KR" sz="1400" dirty="0">
-                <a:solidFill>
-                  <a:srgbClr val="8295E4"/>
-                </a:solidFill>
-                <a:latin typeface="나눔스퀘어OTF" panose="020B0600000101010101" pitchFamily="34" charset="-127"/>
-                <a:ea typeface="나눔스퀘어OTF" panose="020B0600000101010101" pitchFamily="34" charset="-127"/>
-              </a:rPr>
-              <a:t>2024.03.00</a:t>
-            </a:r>
-            <a:r>
-              <a:rPr lang="ko-KR" altLang="en-US" sz="1400" dirty="0">
-                <a:solidFill>
-                  <a:srgbClr val="8295E4"/>
-                </a:solidFill>
-                <a:latin typeface="나눔스퀘어OTF" panose="020B0600000101010101" pitchFamily="34" charset="-127"/>
-                <a:ea typeface="나눔스퀘어OTF" panose="020B0600000101010101" pitchFamily="34" charset="-127"/>
-              </a:rPr>
-              <a:t> </a:t>
-            </a:r>
-            <a:r>
-              <a:rPr lang="en-US" altLang="ko-KR" sz="1400" dirty="0">
-                <a:solidFill>
-                  <a:srgbClr val="8295E4"/>
-                </a:solidFill>
-                <a:latin typeface="나눔스퀘어OTF" panose="020B0600000101010101" pitchFamily="34" charset="-127"/>
-                <a:ea typeface="나눔스퀘어OTF" panose="020B0600000101010101" pitchFamily="34" charset="-127"/>
-              </a:rPr>
-              <a:t>~</a:t>
-            </a:r>
-            <a:r>
-              <a:rPr lang="ko-KR" altLang="en-US" sz="1400" dirty="0">
-                <a:solidFill>
-                  <a:srgbClr val="8295E4"/>
-                </a:solidFill>
-                <a:latin typeface="나눔스퀘어OTF" panose="020B0600000101010101" pitchFamily="34" charset="-127"/>
-                <a:ea typeface="나눔스퀘어OTF" panose="020B0600000101010101" pitchFamily="34" charset="-127"/>
-              </a:rPr>
-              <a:t> </a:t>
-            </a:r>
-            <a:r>
-              <a:rPr lang="en-US" altLang="ko-KR" sz="1400" dirty="0">
-                <a:solidFill>
-                  <a:srgbClr val="8295E4"/>
-                </a:solidFill>
-                <a:latin typeface="나눔스퀘어OTF" panose="020B0600000101010101" pitchFamily="34" charset="-127"/>
-                <a:ea typeface="나눔스퀘어OTF" panose="020B0600000101010101" pitchFamily="34" charset="-127"/>
-              </a:rPr>
-              <a:t>2024.04.16  :              </a:t>
-            </a:r>
-            <a:r>
-              <a:rPr lang="ko-KR" altLang="en-US" sz="1400" dirty="0">
-                <a:solidFill>
-                  <a:srgbClr val="8295E4"/>
-                </a:solidFill>
-                <a:latin typeface="나눔스퀘어OTF" panose="020B0600000101010101" pitchFamily="34" charset="-127"/>
-                <a:ea typeface="나눔스퀘어OTF" panose="020B0600000101010101" pitchFamily="34" charset="-127"/>
-              </a:rPr>
-              <a:t>주제선정</a:t>
-            </a:r>
-            <a:endParaRPr lang="en-US" altLang="ko-KR" sz="1400" dirty="0">
-              <a:solidFill>
-                <a:srgbClr val="8295E4"/>
-              </a:solidFill>
-              <a:latin typeface="나눔스퀘어OTF" panose="020B0600000101010101" pitchFamily="34" charset="-127"/>
-              <a:ea typeface="나눔스퀘어OTF" panose="020B0600000101010101" pitchFamily="34" charset="-127"/>
-            </a:endParaRPr>
           </a:p>
           <a:p>
             <a:pPr algn="r"/>
@@ -13143,28 +13220,15 @@
                 <a:latin typeface="나눔스퀘어OTF" panose="020B0600000101010101" pitchFamily="34" charset="-127"/>
                 <a:ea typeface="나눔스퀘어OTF" panose="020B0600000101010101" pitchFamily="34" charset="-127"/>
               </a:rPr>
-              <a:t>2024.04.16  :  </a:t>
+              <a:t>2024.04.16 :</a:t>
             </a:r>
-            <a:r>
-              <a:rPr lang="ko-KR" altLang="en-US" sz="1400" dirty="0" err="1">
-                <a:solidFill>
-                  <a:srgbClr val="8295E4"/>
-                </a:solidFill>
-                <a:latin typeface="나눔스퀘어OTF" panose="020B0600000101010101" pitchFamily="34" charset="-127"/>
-                <a:ea typeface="나눔스퀘어OTF" panose="020B0600000101010101" pitchFamily="34" charset="-127"/>
-              </a:rPr>
-              <a:t>유즈케이스</a:t>
-            </a:r>
-            <a:r>
-              <a:rPr lang="ko-KR" altLang="en-US" sz="1400" dirty="0">
-                <a:solidFill>
-                  <a:srgbClr val="8295E4"/>
-                </a:solidFill>
-                <a:latin typeface="나눔스퀘어OTF" panose="020B0600000101010101" pitchFamily="34" charset="-127"/>
-                <a:ea typeface="나눔스퀘어OTF" panose="020B0600000101010101" pitchFamily="34" charset="-127"/>
-              </a:rPr>
-              <a:t> 작성</a:t>
-            </a:r>
+            <a:endParaRPr lang="ko-KR" altLang="en-US" sz="1400" dirty="0">
+              <a:solidFill>
+                <a:srgbClr val="8295E4"/>
+              </a:solidFill>
+              <a:latin typeface="나눔스퀘어OTF" panose="020B0600000101010101" pitchFamily="34" charset="-127"/>
+              <a:ea typeface="나눔스퀘어OTF" panose="020B0600000101010101" pitchFamily="34" charset="-127"/>
+            </a:endParaRPr>
           </a:p>
           <a:p>
             <a:pPr algn="r"/>
@@ -17719,13 +17783,13 @@
   <p:clrMapOvr>
     <a:masterClrMapping/>
   </p:clrMapOvr>
-  <mc:AlternateContent xmlns:mc="http://schemas.openxmlformats.org/markup-compatibility/2006">
-    <mc:Choice xmlns:p14="http://schemas.microsoft.com/office/powerpoint/2010/main" Requires="p14">
+  <mc:AlternateContent xmlns:mc="http://schemas.openxmlformats.org/markup-compatibility/2006" xmlns:p14="http://schemas.microsoft.com/office/powerpoint/2010/main">
+    <mc:Choice Requires="p14">
       <p:transition spd="slow">
         <p14:flash/>
       </p:transition>
     </mc:Choice>
-    <mc:Fallback>
+    <mc:Fallback xmlns="">
       <p:transition spd="slow">
         <p:fade/>
       </p:transition>

--- a/Documents/8. 발표/2. 최종발표/이젠컴퍼니.pptx
+++ b/Documents/8. 발표/2. 최종발표/이젠컴퍼니.pptx
@@ -317,7 +317,7 @@
           <a:p>
             <a:fld id="{F9C77CC9-092F-4D65-B38D-45CE7ECC2F4D}" type="datetimeFigureOut">
               <a:rPr lang="ko-KR" altLang="en-US" smtClean="0"/>
-              <a:t>2024-04-15</a:t>
+              <a:t>2024-04-16</a:t>
             </a:fld>
             <a:endParaRPr lang="ko-KR" altLang="en-US"/>
           </a:p>
@@ -515,7 +515,7 @@
           <a:p>
             <a:fld id="{F9C77CC9-092F-4D65-B38D-45CE7ECC2F4D}" type="datetimeFigureOut">
               <a:rPr lang="ko-KR" altLang="en-US" smtClean="0"/>
-              <a:t>2024-04-15</a:t>
+              <a:t>2024-04-16</a:t>
             </a:fld>
             <a:endParaRPr lang="ko-KR" altLang="en-US"/>
           </a:p>
@@ -723,7 +723,7 @@
           <a:p>
             <a:fld id="{F9C77CC9-092F-4D65-B38D-45CE7ECC2F4D}" type="datetimeFigureOut">
               <a:rPr lang="ko-KR" altLang="en-US" smtClean="0"/>
-              <a:t>2024-04-15</a:t>
+              <a:t>2024-04-16</a:t>
             </a:fld>
             <a:endParaRPr lang="ko-KR" altLang="en-US"/>
           </a:p>
@@ -921,7 +921,7 @@
           <a:p>
             <a:fld id="{F9C77CC9-092F-4D65-B38D-45CE7ECC2F4D}" type="datetimeFigureOut">
               <a:rPr lang="ko-KR" altLang="en-US" smtClean="0"/>
-              <a:t>2024-04-15</a:t>
+              <a:t>2024-04-16</a:t>
             </a:fld>
             <a:endParaRPr lang="ko-KR" altLang="en-US"/>
           </a:p>
@@ -1196,7 +1196,7 @@
           <a:p>
             <a:fld id="{F9C77CC9-092F-4D65-B38D-45CE7ECC2F4D}" type="datetimeFigureOut">
               <a:rPr lang="ko-KR" altLang="en-US" smtClean="0"/>
-              <a:t>2024-04-15</a:t>
+              <a:t>2024-04-16</a:t>
             </a:fld>
             <a:endParaRPr lang="ko-KR" altLang="en-US"/>
           </a:p>
@@ -1461,7 +1461,7 @@
           <a:p>
             <a:fld id="{F9C77CC9-092F-4D65-B38D-45CE7ECC2F4D}" type="datetimeFigureOut">
               <a:rPr lang="ko-KR" altLang="en-US" smtClean="0"/>
-              <a:t>2024-04-15</a:t>
+              <a:t>2024-04-16</a:t>
             </a:fld>
             <a:endParaRPr lang="ko-KR" altLang="en-US"/>
           </a:p>
@@ -1873,7 +1873,7 @@
           <a:p>
             <a:fld id="{F9C77CC9-092F-4D65-B38D-45CE7ECC2F4D}" type="datetimeFigureOut">
               <a:rPr lang="ko-KR" altLang="en-US" smtClean="0"/>
-              <a:t>2024-04-15</a:t>
+              <a:t>2024-04-16</a:t>
             </a:fld>
             <a:endParaRPr lang="ko-KR" altLang="en-US"/>
           </a:p>
@@ -2014,7 +2014,7 @@
           <a:p>
             <a:fld id="{F9C77CC9-092F-4D65-B38D-45CE7ECC2F4D}" type="datetimeFigureOut">
               <a:rPr lang="ko-KR" altLang="en-US" smtClean="0"/>
-              <a:t>2024-04-15</a:t>
+              <a:t>2024-04-16</a:t>
             </a:fld>
             <a:endParaRPr lang="ko-KR" altLang="en-US"/>
           </a:p>
@@ -2127,7 +2127,7 @@
           <a:p>
             <a:fld id="{F9C77CC9-092F-4D65-B38D-45CE7ECC2F4D}" type="datetimeFigureOut">
               <a:rPr lang="ko-KR" altLang="en-US" smtClean="0"/>
-              <a:t>2024-04-15</a:t>
+              <a:t>2024-04-16</a:t>
             </a:fld>
             <a:endParaRPr lang="ko-KR" altLang="en-US"/>
           </a:p>
@@ -2438,7 +2438,7 @@
           <a:p>
             <a:fld id="{F9C77CC9-092F-4D65-B38D-45CE7ECC2F4D}" type="datetimeFigureOut">
               <a:rPr lang="ko-KR" altLang="en-US" smtClean="0"/>
-              <a:t>2024-04-15</a:t>
+              <a:t>2024-04-16</a:t>
             </a:fld>
             <a:endParaRPr lang="ko-KR" altLang="en-US"/>
           </a:p>
@@ -2726,7 +2726,7 @@
           <a:p>
             <a:fld id="{F9C77CC9-092F-4D65-B38D-45CE7ECC2F4D}" type="datetimeFigureOut">
               <a:rPr lang="ko-KR" altLang="en-US" smtClean="0"/>
-              <a:t>2024-04-15</a:t>
+              <a:t>2024-04-16</a:t>
             </a:fld>
             <a:endParaRPr lang="ko-KR" altLang="en-US"/>
           </a:p>
@@ -2967,7 +2967,7 @@
           <a:p>
             <a:fld id="{F9C77CC9-092F-4D65-B38D-45CE7ECC2F4D}" type="datetimeFigureOut">
               <a:rPr lang="ko-KR" altLang="en-US" smtClean="0"/>
-              <a:t>2024-04-15</a:t>
+              <a:t>2024-04-16</a:t>
             </a:fld>
             <a:endParaRPr lang="ko-KR" altLang="en-US"/>
           </a:p>
@@ -4839,13 +4839,13 @@
   <p:clrMapOvr>
     <a:masterClrMapping/>
   </p:clrMapOvr>
-  <mc:AlternateContent xmlns:mc="http://schemas.openxmlformats.org/markup-compatibility/2006">
-    <mc:Choice xmlns:p14="http://schemas.microsoft.com/office/powerpoint/2010/main" Requires="p14">
+  <mc:AlternateContent xmlns:mc="http://schemas.openxmlformats.org/markup-compatibility/2006" xmlns:p14="http://schemas.microsoft.com/office/powerpoint/2010/main">
+    <mc:Choice Requires="p14">
       <p:transition spd="med" p14:dur="700">
         <p:fade/>
       </p:transition>
     </mc:Choice>
-    <mc:Fallback>
+    <mc:Fallback xmlns="">
       <p:transition spd="med">
         <p:fade/>
       </p:transition>
@@ -5483,7 +5483,7 @@
           <a:lstStyle/>
           <a:p>
             <a:r>
-              <a:rPr lang="ko-KR" altLang="en-US" sz="1300" dirty="0">
+              <a:rPr lang="ko-KR" altLang="en-US" sz="1200" dirty="0">
                 <a:solidFill>
                   <a:schemeClr val="tx1"/>
                 </a:solidFill>
@@ -5493,7 +5493,7 @@
               <a:t>아이디와</a:t>
             </a:r>
             <a:r>
-              <a:rPr lang="en-US" altLang="ko-KR" sz="1300" dirty="0">
+              <a:rPr lang="en-US" altLang="ko-KR" sz="1200" dirty="0">
                 <a:solidFill>
                   <a:schemeClr val="tx1"/>
                 </a:solidFill>
@@ -5503,7 +5503,7 @@
               <a:t> </a:t>
             </a:r>
             <a:r>
-              <a:rPr lang="ko-KR" altLang="en-US" sz="1300" dirty="0">
+              <a:rPr lang="ko-KR" altLang="en-US" sz="1200" dirty="0">
                 <a:solidFill>
                   <a:schemeClr val="tx1"/>
                 </a:solidFill>
@@ -5578,7 +5578,7 @@
           <a:lstStyle/>
           <a:p>
             <a:r>
-              <a:rPr lang="ko-KR" altLang="en-US" sz="1300" dirty="0">
+              <a:rPr lang="ko-KR" altLang="en-US" sz="1200" dirty="0">
                 <a:solidFill>
                   <a:schemeClr val="tx1"/>
                 </a:solidFill>
@@ -5588,7 +5588,7 @@
               <a:t>해당 버튼을 통해 비밀번호 재설정 페이지로 이동한다</a:t>
             </a:r>
             <a:r>
-              <a:rPr lang="en-US" altLang="ko-KR" sz="1300" dirty="0">
+              <a:rPr lang="en-US" altLang="ko-KR" sz="1200" dirty="0">
                 <a:solidFill>
                   <a:schemeClr val="tx1"/>
                 </a:solidFill>
@@ -5597,7 +5597,7 @@
               </a:rPr>
               <a:t>.</a:t>
             </a:r>
-            <a:endParaRPr lang="ko-KR" altLang="en-US" sz="1300" dirty="0">
+            <a:endParaRPr lang="ko-KR" altLang="en-US" sz="1200" dirty="0">
               <a:solidFill>
                 <a:schemeClr val="tx1"/>
               </a:solidFill>
@@ -7002,13 +7002,13 @@
   <p:clrMapOvr>
     <a:masterClrMapping/>
   </p:clrMapOvr>
-  <mc:AlternateContent xmlns:mc="http://schemas.openxmlformats.org/markup-compatibility/2006">
-    <mc:Choice xmlns:p14="http://schemas.microsoft.com/office/powerpoint/2010/main" Requires="p14">
+  <mc:AlternateContent xmlns:mc="http://schemas.openxmlformats.org/markup-compatibility/2006" xmlns:p14="http://schemas.microsoft.com/office/powerpoint/2010/main">
+    <mc:Choice Requires="p14">
       <p:transition spd="med" p14:dur="700">
         <p:fade/>
       </p:transition>
     </mc:Choice>
-    <mc:Fallback>
+    <mc:Fallback xmlns="">
       <p:transition spd="med">
         <p:fade/>
       </p:transition>
@@ -7700,32 +7700,15 @@
           <a:lstStyle/>
           <a:p>
             <a:r>
-              <a:rPr lang="ko-KR" altLang="en-US" sz="1300" dirty="0">
+              <a:rPr lang="ko-KR" altLang="en-US" sz="1200" dirty="0">
                 <a:solidFill>
                   <a:schemeClr val="tx1"/>
                 </a:solidFill>
                 <a:latin typeface="나눔스퀘어OTF" panose="020B0600000101010101" pitchFamily="34" charset="-127"/>
                 <a:ea typeface="나눔스퀘어OTF" panose="020B0600000101010101" pitchFamily="34" charset="-127"/>
               </a:rPr>
-              <a:t>재전송 클릭 시 메일을 </a:t>
+              <a:t>재전송 클릭 시 메일을 다시 보내준다</a:t>
             </a:r>
-            <a:r>
-              <a:rPr lang="ko-KR" altLang="en-US" sz="1300" dirty="0" err="1">
-                <a:solidFill>
-                  <a:schemeClr val="tx1"/>
-                </a:solidFill>
-                <a:latin typeface="나눔스퀘어OTF" panose="020B0600000101010101" pitchFamily="34" charset="-127"/>
-                <a:ea typeface="나눔스퀘어OTF" panose="020B0600000101010101" pitchFamily="34" charset="-127"/>
-              </a:rPr>
-              <a:t>다시보내준다</a:t>
-            </a:r>
-            <a:endParaRPr lang="ko-KR" altLang="en-US" sz="1300" dirty="0">
-              <a:solidFill>
-                <a:schemeClr val="tx1"/>
-              </a:solidFill>
-              <a:latin typeface="나눔스퀘어OTF" panose="020B0600000101010101" pitchFamily="34" charset="-127"/>
-              <a:ea typeface="나눔스퀘어OTF" panose="020B0600000101010101" pitchFamily="34" charset="-127"/>
-            </a:endParaRPr>
           </a:p>
         </p:txBody>
       </p:sp>
@@ -7783,13 +7766,13 @@
   <p:clrMapOvr>
     <a:masterClrMapping/>
   </p:clrMapOvr>
-  <mc:AlternateContent xmlns:mc="http://schemas.openxmlformats.org/markup-compatibility/2006">
-    <mc:Choice xmlns:p14="http://schemas.microsoft.com/office/powerpoint/2010/main" Requires="p14">
+  <mc:AlternateContent xmlns:mc="http://schemas.openxmlformats.org/markup-compatibility/2006" xmlns:p14="http://schemas.microsoft.com/office/powerpoint/2010/main">
+    <mc:Choice Requires="p14">
       <p:transition spd="med" p14:dur="700">
         <p:fade/>
       </p:transition>
     </mc:Choice>
-    <mc:Fallback>
+    <mc:Fallback xmlns="">
       <p:transition spd="med">
         <p:fade/>
       </p:transition>
@@ -8475,13 +8458,13 @@
   <p:clrMapOvr>
     <a:masterClrMapping/>
   </p:clrMapOvr>
-  <mc:AlternateContent xmlns:mc="http://schemas.openxmlformats.org/markup-compatibility/2006">
-    <mc:Choice xmlns:p14="http://schemas.microsoft.com/office/powerpoint/2010/main" Requires="p14">
+  <mc:AlternateContent xmlns:mc="http://schemas.openxmlformats.org/markup-compatibility/2006" xmlns:p14="http://schemas.microsoft.com/office/powerpoint/2010/main">
+    <mc:Choice Requires="p14">
       <p:transition spd="med" p14:dur="700">
         <p:fade/>
       </p:transition>
     </mc:Choice>
-    <mc:Fallback>
+    <mc:Fallback xmlns="">
       <p:transition spd="med">
         <p:fade/>
       </p:transition>
@@ -9111,8 +9094,8 @@
         </p:nvSpPr>
         <p:spPr>
           <a:xfrm>
-            <a:off x="8619185" y="158751"/>
-            <a:ext cx="3155577" cy="1023712"/>
+            <a:off x="8619185" y="70979"/>
+            <a:ext cx="3155577" cy="1111484"/>
           </a:xfrm>
           <a:prstGeom prst="roundRect">
             <a:avLst/>
@@ -9143,7 +9126,7 @@
           <a:lstStyle/>
           <a:p>
             <a:r>
-              <a:rPr lang="ko-KR" altLang="en-US" sz="1300" dirty="0">
+              <a:rPr lang="ko-KR" altLang="en-US" sz="1200" dirty="0">
                 <a:solidFill>
                   <a:schemeClr val="tx1"/>
                 </a:solidFill>
@@ -9153,7 +9136,7 @@
               <a:t>아이디는 영문</a:t>
             </a:r>
             <a:r>
-              <a:rPr lang="en-US" altLang="ko-KR" sz="1300" dirty="0">
+              <a:rPr lang="en-US" altLang="ko-KR" sz="1200" dirty="0">
                 <a:solidFill>
                   <a:schemeClr val="tx1"/>
                 </a:solidFill>
@@ -9163,7 +9146,7 @@
               <a:t> or </a:t>
             </a:r>
             <a:r>
-              <a:rPr lang="ko-KR" altLang="en-US" sz="1300" dirty="0">
+              <a:rPr lang="ko-KR" altLang="en-US" sz="1200" dirty="0">
                 <a:solidFill>
                   <a:schemeClr val="tx1"/>
                 </a:solidFill>
@@ -9173,7 +9156,7 @@
               <a:t>숫자 </a:t>
             </a:r>
             <a:r>
-              <a:rPr lang="en-US" altLang="ko-KR" sz="1300" dirty="0">
+              <a:rPr lang="en-US" altLang="ko-KR" sz="1200" dirty="0">
                 <a:solidFill>
                   <a:schemeClr val="tx1"/>
                 </a:solidFill>
@@ -9185,7 +9168,7 @@
           </a:p>
           <a:p>
             <a:r>
-              <a:rPr lang="ko-KR" altLang="en-US" sz="1300" dirty="0">
+              <a:rPr lang="ko-KR" altLang="en-US" sz="1200" dirty="0">
                 <a:solidFill>
                   <a:schemeClr val="tx1"/>
                 </a:solidFill>
@@ -9194,7 +9177,7 @@
               </a:rPr>
               <a:t>비밀번호는 </a:t>
             </a:r>
-            <a:endParaRPr lang="en-US" altLang="ko-KR" sz="1300" dirty="0">
+            <a:endParaRPr lang="en-US" altLang="ko-KR" sz="1200" dirty="0">
               <a:solidFill>
                 <a:schemeClr val="tx1"/>
               </a:solidFill>
@@ -9204,7 +9187,7 @@
           </a:p>
           <a:p>
             <a:r>
-              <a:rPr lang="ko-KR" altLang="en-US" sz="1300" dirty="0">
+              <a:rPr lang="ko-KR" altLang="en-US" sz="1200" dirty="0">
                 <a:solidFill>
                   <a:schemeClr val="tx1"/>
                 </a:solidFill>
@@ -9214,7 +9197,7 @@
               <a:t>소문자</a:t>
             </a:r>
             <a:r>
-              <a:rPr lang="en-US" altLang="ko-KR" sz="1300" dirty="0">
+              <a:rPr lang="en-US" altLang="ko-KR" sz="1200" dirty="0">
                 <a:solidFill>
                   <a:schemeClr val="tx1"/>
                 </a:solidFill>
@@ -9224,7 +9207,7 @@
               <a:t>+</a:t>
             </a:r>
             <a:r>
-              <a:rPr lang="ko-KR" altLang="en-US" sz="1300" dirty="0">
+              <a:rPr lang="ko-KR" altLang="en-US" sz="1200" dirty="0">
                 <a:solidFill>
                   <a:schemeClr val="tx1"/>
                 </a:solidFill>
@@ -9234,7 +9217,7 @@
               <a:t>대문자</a:t>
             </a:r>
             <a:r>
-              <a:rPr lang="en-US" altLang="ko-KR" sz="1300" dirty="0">
+              <a:rPr lang="en-US" altLang="ko-KR" sz="1200" dirty="0">
                 <a:solidFill>
                   <a:schemeClr val="tx1"/>
                 </a:solidFill>
@@ -9244,7 +9227,7 @@
               <a:t>+</a:t>
             </a:r>
             <a:r>
-              <a:rPr lang="ko-KR" altLang="en-US" sz="1300" dirty="0">
+              <a:rPr lang="ko-KR" altLang="en-US" sz="1200" dirty="0">
                 <a:solidFill>
                   <a:schemeClr val="tx1"/>
                 </a:solidFill>
@@ -9254,7 +9237,7 @@
               <a:t>숫자</a:t>
             </a:r>
             <a:r>
-              <a:rPr lang="en-US" altLang="ko-KR" sz="1300" dirty="0">
+              <a:rPr lang="en-US" altLang="ko-KR" sz="1200" dirty="0">
                 <a:solidFill>
                   <a:schemeClr val="tx1"/>
                 </a:solidFill>
@@ -9264,7 +9247,7 @@
               <a:t>+</a:t>
             </a:r>
             <a:r>
-              <a:rPr lang="ko-KR" altLang="en-US" sz="1300" dirty="0">
+              <a:rPr lang="ko-KR" altLang="en-US" sz="1200" dirty="0">
                 <a:solidFill>
                   <a:schemeClr val="tx1"/>
                 </a:solidFill>
@@ -9274,7 +9257,7 @@
               <a:t>특수문자포함 </a:t>
             </a:r>
             <a:r>
-              <a:rPr lang="en-US" altLang="ko-KR" sz="1300" dirty="0">
+              <a:rPr lang="en-US" altLang="ko-KR" sz="1200" dirty="0">
                 <a:solidFill>
                   <a:schemeClr val="tx1"/>
                 </a:solidFill>
@@ -9286,7 +9269,7 @@
           </a:p>
           <a:p>
             <a:r>
-              <a:rPr lang="ko-KR" altLang="en-US" sz="1300" dirty="0">
+              <a:rPr lang="ko-KR" altLang="en-US" sz="1200" dirty="0">
                 <a:solidFill>
                   <a:schemeClr val="tx1"/>
                 </a:solidFill>
@@ -10049,13 +10032,13 @@
   <p:clrMapOvr>
     <a:masterClrMapping/>
   </p:clrMapOvr>
-  <mc:AlternateContent xmlns:mc="http://schemas.openxmlformats.org/markup-compatibility/2006">
-    <mc:Choice xmlns:p14="http://schemas.microsoft.com/office/powerpoint/2010/main" Requires="p14">
+  <mc:AlternateContent xmlns:mc="http://schemas.openxmlformats.org/markup-compatibility/2006" xmlns:p14="http://schemas.microsoft.com/office/powerpoint/2010/main">
+    <mc:Choice Requires="p14">
       <p:transition spd="med" p14:dur="700">
         <p:fade/>
       </p:transition>
     </mc:Choice>
-    <mc:Fallback>
+    <mc:Fallback xmlns="">
       <p:transition spd="med">
         <p:fade/>
       </p:transition>
@@ -10762,7 +10745,7 @@
           <a:lstStyle/>
           <a:p>
             <a:r>
-              <a:rPr lang="ko-KR" altLang="en-US" sz="1300" dirty="0">
+              <a:rPr lang="ko-KR" altLang="en-US" sz="1200" dirty="0">
                 <a:solidFill>
                   <a:schemeClr val="tx1"/>
                 </a:solidFill>
@@ -10772,7 +10755,7 @@
               <a:t>비밀번호를 잊으셨나요</a:t>
             </a:r>
             <a:r>
-              <a:rPr lang="en-US" altLang="ko-KR" sz="1300" dirty="0">
+              <a:rPr lang="en-US" altLang="ko-KR" sz="1200" dirty="0">
                 <a:solidFill>
                   <a:schemeClr val="tx1"/>
                 </a:solidFill>
@@ -10782,7 +10765,7 @@
               <a:t>?</a:t>
             </a:r>
             <a:r>
-              <a:rPr lang="ko-KR" altLang="en-US" sz="1300" dirty="0">
+              <a:rPr lang="ko-KR" altLang="en-US" sz="1200" dirty="0">
                 <a:solidFill>
                   <a:schemeClr val="tx1"/>
                 </a:solidFill>
@@ -11457,13 +11440,13 @@
   <p:clrMapOvr>
     <a:masterClrMapping/>
   </p:clrMapOvr>
-  <mc:AlternateContent xmlns:mc="http://schemas.openxmlformats.org/markup-compatibility/2006">
-    <mc:Choice xmlns:p14="http://schemas.microsoft.com/office/powerpoint/2010/main" Requires="p14">
+  <mc:AlternateContent xmlns:mc="http://schemas.openxmlformats.org/markup-compatibility/2006" xmlns:p14="http://schemas.microsoft.com/office/powerpoint/2010/main">
+    <mc:Choice Requires="p14">
       <p:transition spd="med" p14:dur="700">
         <p:fade/>
       </p:transition>
     </mc:Choice>
-    <mc:Fallback>
+    <mc:Fallback xmlns="">
       <p:transition spd="med">
         <p:fade/>
       </p:transition>
@@ -14907,13 +14890,13 @@
   <p:clrMapOvr>
     <a:masterClrMapping/>
   </p:clrMapOvr>
-  <mc:AlternateContent xmlns:mc="http://schemas.openxmlformats.org/markup-compatibility/2006">
-    <mc:Choice xmlns:p14="http://schemas.microsoft.com/office/powerpoint/2010/main" Requires="p14">
+  <mc:AlternateContent xmlns:mc="http://schemas.openxmlformats.org/markup-compatibility/2006" xmlns:p14="http://schemas.microsoft.com/office/powerpoint/2010/main">
+    <mc:Choice Requires="p14">
       <p:transition spd="med" p14:dur="700">
         <p:fade/>
       </p:transition>
     </mc:Choice>
-    <mc:Fallback>
+    <mc:Fallback xmlns="">
       <p:transition spd="med">
         <p:fade/>
       </p:transition>
@@ -15509,13 +15492,13 @@
   <p:clrMapOvr>
     <a:masterClrMapping/>
   </p:clrMapOvr>
-  <mc:AlternateContent xmlns:mc="http://schemas.openxmlformats.org/markup-compatibility/2006">
-    <mc:Choice xmlns:p14="http://schemas.microsoft.com/office/powerpoint/2010/main" Requires="p14">
+  <mc:AlternateContent xmlns:mc="http://schemas.openxmlformats.org/markup-compatibility/2006" xmlns:p14="http://schemas.microsoft.com/office/powerpoint/2010/main">
+    <mc:Choice Requires="p14">
       <p:transition spd="slow" p14:dur="1500">
         <p14:window dir="vert"/>
       </p:transition>
     </mc:Choice>
-    <mc:Fallback>
+    <mc:Fallback xmlns="">
       <p:transition spd="slow">
         <p:fade/>
       </p:transition>
@@ -16192,32 +16175,15 @@
           <a:lstStyle/>
           <a:p>
             <a:r>
-              <a:rPr lang="ko-KR" altLang="en-US" sz="1300" dirty="0">
+              <a:rPr lang="ko-KR" altLang="en-US" sz="1200" dirty="0">
                 <a:solidFill>
                   <a:schemeClr val="tx1"/>
                 </a:solidFill>
                 <a:latin typeface="나눔스퀘어OTF" panose="020B0600000101010101" pitchFamily="34" charset="-127"/>
                 <a:ea typeface="나눔스퀘어OTF" panose="020B0600000101010101" pitchFamily="34" charset="-127"/>
               </a:rPr>
-              <a:t>사원등록 </a:t>
+              <a:t>사원등록 클릭 하는 경우</a:t>
             </a:r>
-            <a:r>
-              <a:rPr lang="ko-KR" altLang="en-US" sz="1300">
-                <a:solidFill>
-                  <a:schemeClr val="tx1"/>
-                </a:solidFill>
-                <a:latin typeface="나눔스퀘어OTF" panose="020B0600000101010101" pitchFamily="34" charset="-127"/>
-                <a:ea typeface="나눔스퀘어OTF" panose="020B0600000101010101" pitchFamily="34" charset="-127"/>
-              </a:rPr>
-              <a:t>클릭 하는 경우</a:t>
-            </a:r>
-            <a:endParaRPr lang="ko-KR" altLang="en-US" sz="1300" dirty="0">
-              <a:solidFill>
-                <a:schemeClr val="tx1"/>
-              </a:solidFill>
-              <a:latin typeface="나눔스퀘어OTF" panose="020B0600000101010101" pitchFamily="34" charset="-127"/>
-              <a:ea typeface="나눔스퀘어OTF" panose="020B0600000101010101" pitchFamily="34" charset="-127"/>
-            </a:endParaRPr>
           </a:p>
         </p:txBody>
       </p:sp>
@@ -16958,7 +16924,7 @@
           <a:lstStyle/>
           <a:p>
             <a:r>
-              <a:rPr lang="ko-KR" altLang="en-US" sz="1300" dirty="0">
+              <a:rPr lang="ko-KR" altLang="en-US" sz="1200" dirty="0">
                 <a:solidFill>
                   <a:schemeClr val="tx1"/>
                 </a:solidFill>
@@ -16980,13 +16946,13 @@
   <p:clrMapOvr>
     <a:masterClrMapping/>
   </p:clrMapOvr>
-  <mc:AlternateContent xmlns:mc="http://schemas.openxmlformats.org/markup-compatibility/2006">
-    <mc:Choice xmlns:p14="http://schemas.microsoft.com/office/powerpoint/2010/main" Requires="p14">
+  <mc:AlternateContent xmlns:mc="http://schemas.openxmlformats.org/markup-compatibility/2006" xmlns:p14="http://schemas.microsoft.com/office/powerpoint/2010/main">
+    <mc:Choice Requires="p14">
       <p:transition spd="med" p14:dur="700">
         <p:fade/>
       </p:transition>
     </mc:Choice>
-    <mc:Fallback>
+    <mc:Fallback xmlns="">
       <p:transition spd="med">
         <p:fade/>
       </p:transition>
@@ -18288,13 +18254,13 @@
   <p:clrMapOvr>
     <a:masterClrMapping/>
   </p:clrMapOvr>
-  <mc:AlternateContent xmlns:mc="http://schemas.openxmlformats.org/markup-compatibility/2006">
-    <mc:Choice xmlns:p14="http://schemas.microsoft.com/office/powerpoint/2010/main" Requires="p14">
+  <mc:AlternateContent xmlns:mc="http://schemas.openxmlformats.org/markup-compatibility/2006" xmlns:p14="http://schemas.microsoft.com/office/powerpoint/2010/main">
+    <mc:Choice Requires="p14">
       <p:transition spd="med" p14:dur="700">
         <p:fade/>
       </p:transition>
     </mc:Choice>
-    <mc:Fallback>
+    <mc:Fallback xmlns="">
       <p:transition spd="med">
         <p:fade/>
       </p:transition>
@@ -18931,13 +18897,13 @@
   <p:clrMapOvr>
     <a:masterClrMapping/>
   </p:clrMapOvr>
-  <mc:AlternateContent xmlns:mc="http://schemas.openxmlformats.org/markup-compatibility/2006">
-    <mc:Choice xmlns:p14="http://schemas.microsoft.com/office/powerpoint/2010/main" Requires="p14">
+  <mc:AlternateContent xmlns:mc="http://schemas.openxmlformats.org/markup-compatibility/2006" xmlns:p14="http://schemas.microsoft.com/office/powerpoint/2010/main">
+    <mc:Choice Requires="p14">
       <p:transition spd="med" p14:dur="700">
         <p:fade/>
       </p:transition>
     </mc:Choice>
-    <mc:Fallback>
+    <mc:Fallback xmlns="">
       <p:transition spd="med">
         <p:fade/>
       </p:transition>
@@ -19657,7 +19623,7 @@
           <a:lstStyle/>
           <a:p>
             <a:r>
-              <a:rPr lang="ko-KR" altLang="en-US" sz="1300" dirty="0">
+              <a:rPr lang="ko-KR" altLang="en-US" sz="1200" dirty="0">
                 <a:solidFill>
                   <a:schemeClr val="tx1"/>
                 </a:solidFill>
@@ -19760,7 +19726,7 @@
           <a:lstStyle/>
           <a:p>
             <a:r>
-              <a:rPr lang="ko-KR" altLang="en-US" sz="1300" dirty="0">
+              <a:rPr lang="ko-KR" altLang="en-US" sz="1200" dirty="0">
                 <a:solidFill>
                   <a:schemeClr val="tx1"/>
                 </a:solidFill>
@@ -19769,7 +19735,7 @@
               </a:rPr>
               <a:t>방금 만든 분류를 </a:t>
             </a:r>
-            <a:endParaRPr lang="en-US" altLang="ko-KR" sz="1300" dirty="0">
+            <a:endParaRPr lang="en-US" altLang="ko-KR" sz="1200" dirty="0">
               <a:solidFill>
                 <a:schemeClr val="tx1"/>
               </a:solidFill>
@@ -19779,7 +19745,7 @@
           </a:p>
           <a:p>
             <a:r>
-              <a:rPr lang="ko-KR" altLang="en-US" sz="1300" dirty="0">
+              <a:rPr lang="ko-KR" altLang="en-US" sz="1200" dirty="0">
                 <a:solidFill>
                   <a:schemeClr val="tx1"/>
                 </a:solidFill>
@@ -20394,13 +20360,13 @@
   <p:clrMapOvr>
     <a:masterClrMapping/>
   </p:clrMapOvr>
-  <mc:AlternateContent xmlns:mc="http://schemas.openxmlformats.org/markup-compatibility/2006">
-    <mc:Choice xmlns:p14="http://schemas.microsoft.com/office/powerpoint/2010/main" Requires="p14">
+  <mc:AlternateContent xmlns:mc="http://schemas.openxmlformats.org/markup-compatibility/2006" xmlns:p14="http://schemas.microsoft.com/office/powerpoint/2010/main">
+    <mc:Choice Requires="p14">
       <p:transition spd="med" p14:dur="700">
         <p:fade/>
       </p:transition>
     </mc:Choice>
-    <mc:Fallback>
+    <mc:Fallback xmlns="">
       <p:transition spd="med">
         <p:fade/>
       </p:transition>
@@ -20996,13 +20962,13 @@
   <p:clrMapOvr>
     <a:masterClrMapping/>
   </p:clrMapOvr>
-  <mc:AlternateContent xmlns:mc="http://schemas.openxmlformats.org/markup-compatibility/2006">
-    <mc:Choice xmlns:p14="http://schemas.microsoft.com/office/powerpoint/2010/main" Requires="p14">
+  <mc:AlternateContent xmlns:mc="http://schemas.openxmlformats.org/markup-compatibility/2006" xmlns:p14="http://schemas.microsoft.com/office/powerpoint/2010/main">
+    <mc:Choice Requires="p14">
       <p:transition spd="med" p14:dur="700">
         <p:fade/>
       </p:transition>
     </mc:Choice>
-    <mc:Fallback>
+    <mc:Fallback xmlns="">
       <p:transition spd="med">
         <p:fade/>
       </p:transition>
@@ -24083,13 +24049,13 @@
   <p:clrMapOvr>
     <a:masterClrMapping/>
   </p:clrMapOvr>
-  <mc:AlternateContent xmlns:mc="http://schemas.openxmlformats.org/markup-compatibility/2006">
-    <mc:Choice xmlns:p14="http://schemas.microsoft.com/office/powerpoint/2010/main" Requires="p14">
+  <mc:AlternateContent xmlns:mc="http://schemas.openxmlformats.org/markup-compatibility/2006" xmlns:p14="http://schemas.microsoft.com/office/powerpoint/2010/main">
+    <mc:Choice Requires="p14">
       <p:transition spd="med" p14:dur="700">
         <p:fade/>
       </p:transition>
     </mc:Choice>
-    <mc:Fallback>
+    <mc:Fallback xmlns="">
       <p:transition spd="med">
         <p:fade/>
       </p:transition>
@@ -24766,7 +24732,7 @@
           <a:lstStyle/>
           <a:p>
             <a:r>
-              <a:rPr lang="ko-KR" altLang="en-US" sz="1300" dirty="0">
+              <a:rPr lang="ko-KR" altLang="en-US" sz="1200" dirty="0">
                 <a:solidFill>
                   <a:schemeClr val="tx1"/>
                 </a:solidFill>
@@ -24775,7 +24741,7 @@
               </a:rPr>
               <a:t>게시판 목록</a:t>
             </a:r>
-            <a:endParaRPr lang="en-US" altLang="ko-KR" sz="1300" dirty="0">
+            <a:endParaRPr lang="en-US" altLang="ko-KR" sz="1200" dirty="0">
               <a:solidFill>
                 <a:schemeClr val="tx1"/>
               </a:solidFill>
@@ -24785,7 +24751,7 @@
           </a:p>
           <a:p>
             <a:r>
-              <a:rPr lang="ko-KR" altLang="en-US" sz="1300" dirty="0">
+              <a:rPr lang="ko-KR" altLang="en-US" sz="1200" dirty="0">
                 <a:solidFill>
                   <a:schemeClr val="tx1"/>
                 </a:solidFill>
@@ -24888,7 +24854,7 @@
           <a:lstStyle/>
           <a:p>
             <a:r>
-              <a:rPr lang="ko-KR" altLang="en-US" sz="1300" dirty="0">
+              <a:rPr lang="ko-KR" altLang="en-US" sz="1200" dirty="0">
                 <a:solidFill>
                   <a:schemeClr val="tx1"/>
                 </a:solidFill>
@@ -24897,7 +24863,7 @@
               </a:rPr>
               <a:t>게시판 추가를 </a:t>
             </a:r>
-            <a:endParaRPr lang="en-US" altLang="ko-KR" sz="1300" dirty="0">
+            <a:endParaRPr lang="en-US" altLang="ko-KR" sz="1200" dirty="0">
               <a:solidFill>
                 <a:schemeClr val="tx1"/>
               </a:solidFill>
@@ -24907,7 +24873,7 @@
           </a:p>
           <a:p>
             <a:r>
-              <a:rPr lang="ko-KR" altLang="en-US" sz="1300" dirty="0">
+              <a:rPr lang="ko-KR" altLang="en-US" sz="1200" dirty="0">
                 <a:solidFill>
                   <a:schemeClr val="tx1"/>
                 </a:solidFill>
@@ -25522,13 +25488,13 @@
   <p:clrMapOvr>
     <a:masterClrMapping/>
   </p:clrMapOvr>
-  <mc:AlternateContent xmlns:mc="http://schemas.openxmlformats.org/markup-compatibility/2006">
-    <mc:Choice xmlns:p14="http://schemas.microsoft.com/office/powerpoint/2010/main" Requires="p14">
+  <mc:AlternateContent xmlns:mc="http://schemas.openxmlformats.org/markup-compatibility/2006" xmlns:p14="http://schemas.microsoft.com/office/powerpoint/2010/main">
+    <mc:Choice Requires="p14">
       <p:transition spd="med" p14:dur="700">
         <p:fade/>
       </p:transition>
     </mc:Choice>
-    <mc:Fallback>
+    <mc:Fallback xmlns="">
       <p:transition spd="med">
         <p:fade/>
       </p:transition>
@@ -26154,13 +26120,13 @@
   <p:clrMapOvr>
     <a:masterClrMapping/>
   </p:clrMapOvr>
-  <mc:AlternateContent xmlns:mc="http://schemas.openxmlformats.org/markup-compatibility/2006">
-    <mc:Choice xmlns:p14="http://schemas.microsoft.com/office/powerpoint/2010/main" Requires="p14">
+  <mc:AlternateContent xmlns:mc="http://schemas.openxmlformats.org/markup-compatibility/2006" xmlns:p14="http://schemas.microsoft.com/office/powerpoint/2010/main">
+    <mc:Choice Requires="p14">
       <p:transition spd="med" p14:dur="700">
         <p:fade/>
       </p:transition>
     </mc:Choice>
-    <mc:Fallback>
+    <mc:Fallback xmlns="">
       <p:transition spd="med">
         <p:fade/>
       </p:transition>
@@ -26816,13 +26782,13 @@
   <p:clrMapOvr>
     <a:masterClrMapping/>
   </p:clrMapOvr>
-  <mc:AlternateContent xmlns:mc="http://schemas.openxmlformats.org/markup-compatibility/2006">
-    <mc:Choice xmlns:p14="http://schemas.microsoft.com/office/powerpoint/2010/main" Requires="p14">
+  <mc:AlternateContent xmlns:mc="http://schemas.openxmlformats.org/markup-compatibility/2006" xmlns:p14="http://schemas.microsoft.com/office/powerpoint/2010/main">
+    <mc:Choice Requires="p14">
       <p:transition spd="med" p14:dur="700">
         <p:fade/>
       </p:transition>
     </mc:Choice>
-    <mc:Fallback>
+    <mc:Fallback xmlns="">
       <p:transition spd="med">
         <p:fade/>
       </p:transition>
@@ -27499,7 +27465,7 @@
           <a:lstStyle/>
           <a:p>
             <a:r>
-              <a:rPr lang="ko-KR" altLang="en-US" sz="1300" dirty="0">
+              <a:rPr lang="ko-KR" altLang="en-US" sz="1200" dirty="0">
                 <a:solidFill>
                   <a:schemeClr val="tx1"/>
                 </a:solidFill>
@@ -27508,7 +27474,7 @@
               </a:rPr>
               <a:t>사이드 버튼으로</a:t>
             </a:r>
-            <a:endParaRPr lang="en-US" altLang="ko-KR" sz="1300" dirty="0">
+            <a:endParaRPr lang="en-US" altLang="ko-KR" sz="1200" dirty="0">
               <a:solidFill>
                 <a:schemeClr val="tx1"/>
               </a:solidFill>
@@ -27518,7 +27484,7 @@
           </a:p>
           <a:p>
             <a:r>
-              <a:rPr lang="ko-KR" altLang="en-US" sz="1300" dirty="0">
+              <a:rPr lang="ko-KR" altLang="en-US" sz="1200" dirty="0">
                 <a:solidFill>
                   <a:schemeClr val="tx1"/>
                 </a:solidFill>
@@ -27528,7 +27494,7 @@
               <a:t>수정</a:t>
             </a:r>
             <a:r>
-              <a:rPr lang="en-US" altLang="ko-KR" sz="1300" dirty="0">
+              <a:rPr lang="en-US" altLang="ko-KR" sz="1200" dirty="0">
                 <a:solidFill>
                   <a:schemeClr val="tx1"/>
                 </a:solidFill>
@@ -27538,7 +27504,7 @@
               <a:t>/</a:t>
             </a:r>
             <a:r>
-              <a:rPr lang="ko-KR" altLang="en-US" sz="1300" dirty="0">
+              <a:rPr lang="ko-KR" altLang="en-US" sz="1200" dirty="0">
                 <a:solidFill>
                   <a:schemeClr val="tx1"/>
                 </a:solidFill>
@@ -27560,13 +27526,13 @@
   <p:clrMapOvr>
     <a:masterClrMapping/>
   </p:clrMapOvr>
-  <mc:AlternateContent xmlns:mc="http://schemas.openxmlformats.org/markup-compatibility/2006">
-    <mc:Choice xmlns:p14="http://schemas.microsoft.com/office/powerpoint/2010/main" Requires="p14">
+  <mc:AlternateContent xmlns:mc="http://schemas.openxmlformats.org/markup-compatibility/2006" xmlns:p14="http://schemas.microsoft.com/office/powerpoint/2010/main">
+    <mc:Choice Requires="p14">
       <p:transition spd="med" p14:dur="700">
         <p:fade/>
       </p:transition>
     </mc:Choice>
-    <mc:Fallback>
+    <mc:Fallback xmlns="">
       <p:transition spd="med">
         <p:fade/>
       </p:transition>
@@ -28162,13 +28128,13 @@
   <p:clrMapOvr>
     <a:masterClrMapping/>
   </p:clrMapOvr>
-  <mc:AlternateContent xmlns:mc="http://schemas.openxmlformats.org/markup-compatibility/2006">
-    <mc:Choice xmlns:p14="http://schemas.microsoft.com/office/powerpoint/2010/main" Requires="p14">
+  <mc:AlternateContent xmlns:mc="http://schemas.openxmlformats.org/markup-compatibility/2006" xmlns:p14="http://schemas.microsoft.com/office/powerpoint/2010/main">
+    <mc:Choice Requires="p14">
       <p:transition spd="med" p14:dur="700">
         <p:fade/>
       </p:transition>
     </mc:Choice>
-    <mc:Fallback>
+    <mc:Fallback xmlns="">
       <p:transition spd="med">
         <p:fade/>
       </p:transition>
@@ -29438,24 +29404,14 @@
           <a:lstStyle/>
           <a:p>
             <a:r>
-              <a:rPr lang="ko-KR" altLang="en-US" sz="1300">
+              <a:rPr lang="ko-KR" altLang="en-US" sz="1200" dirty="0">
                 <a:solidFill>
                   <a:schemeClr val="tx1"/>
                 </a:solidFill>
                 <a:latin typeface="나눔스퀘어OTF" panose="020B0600000101010101" pitchFamily="34" charset="-127"/>
                 <a:ea typeface="나눔스퀘어OTF" panose="020B0600000101010101" pitchFamily="34" charset="-127"/>
               </a:rPr>
-              <a:t>블로그 등록 </a:t>
-            </a:r>
-            <a:r>
-              <a:rPr lang="ko-KR" altLang="en-US" sz="1300" dirty="0">
-                <a:solidFill>
-                  <a:schemeClr val="tx1"/>
-                </a:solidFill>
-                <a:latin typeface="나눔스퀘어OTF" panose="020B0600000101010101" pitchFamily="34" charset="-127"/>
-                <a:ea typeface="나눔스퀘어OTF" panose="020B0600000101010101" pitchFamily="34" charset="-127"/>
-              </a:rPr>
-              <a:t>클릭 시</a:t>
+              <a:t>블로그 등록 클릭 시</a:t>
             </a:r>
           </a:p>
         </p:txBody>
@@ -29556,13 +29512,13 @@
   <p:clrMapOvr>
     <a:masterClrMapping/>
   </p:clrMapOvr>
-  <mc:AlternateContent xmlns:mc="http://schemas.openxmlformats.org/markup-compatibility/2006">
-    <mc:Choice xmlns:p14="http://schemas.microsoft.com/office/powerpoint/2010/main" Requires="p14">
+  <mc:AlternateContent xmlns:mc="http://schemas.openxmlformats.org/markup-compatibility/2006" xmlns:p14="http://schemas.microsoft.com/office/powerpoint/2010/main">
+    <mc:Choice Requires="p14">
       <p:transition spd="med" p14:dur="700">
         <p:fade/>
       </p:transition>
     </mc:Choice>
-    <mc:Fallback>
+    <mc:Fallback xmlns="">
       <p:transition spd="med">
         <p:fade/>
       </p:transition>
@@ -30158,13 +30114,13 @@
   <p:clrMapOvr>
     <a:masterClrMapping/>
   </p:clrMapOvr>
-  <mc:AlternateContent xmlns:mc="http://schemas.openxmlformats.org/markup-compatibility/2006">
-    <mc:Choice xmlns:p14="http://schemas.microsoft.com/office/powerpoint/2010/main" Requires="p14">
+  <mc:AlternateContent xmlns:mc="http://schemas.openxmlformats.org/markup-compatibility/2006" xmlns:p14="http://schemas.microsoft.com/office/powerpoint/2010/main">
+    <mc:Choice Requires="p14">
       <p:transition spd="med" p14:dur="700">
         <p:fade/>
       </p:transition>
     </mc:Choice>
-    <mc:Fallback>
+    <mc:Fallback xmlns="">
       <p:transition spd="med">
         <p:fade/>
       </p:transition>
@@ -30476,7 +30432,7 @@
         </p:nvSpPr>
         <p:spPr>
           <a:xfrm>
-            <a:off x="2108792" y="591916"/>
+            <a:off x="2209529" y="591916"/>
             <a:ext cx="2746442" cy="261610"/>
           </a:xfrm>
           <a:prstGeom prst="rect">
@@ -30965,7 +30921,7 @@
         <p:spPr>
           <a:xfrm>
             <a:off x="4792586" y="2778052"/>
-            <a:ext cx="2603174" cy="1569660"/>
+            <a:ext cx="2603174" cy="1477328"/>
           </a:xfrm>
           <a:prstGeom prst="rect">
             <a:avLst/>
@@ -30980,7 +30936,7 @@
           <a:p>
             <a:pPr algn="ctr"/>
             <a:r>
-              <a:rPr lang="ko-KR" altLang="en-US" sz="4800" dirty="0">
+              <a:rPr lang="ko-KR" altLang="en-US" sz="4500" dirty="0">
                 <a:solidFill>
                   <a:schemeClr val="bg1"/>
                 </a:solidFill>
@@ -30989,7 +30945,7 @@
               </a:rPr>
               <a:t>프로젝트</a:t>
             </a:r>
-            <a:endParaRPr lang="en-US" altLang="ko-KR" sz="4800" dirty="0">
+            <a:endParaRPr lang="en-US" altLang="ko-KR" sz="4500" dirty="0">
               <a:solidFill>
                 <a:schemeClr val="bg1"/>
               </a:solidFill>
@@ -31000,7 +30956,7 @@
           <a:p>
             <a:pPr algn="ctr"/>
             <a:r>
-              <a:rPr lang="ko-KR" altLang="en-US" sz="4800" dirty="0">
+              <a:rPr lang="ko-KR" altLang="en-US" sz="4500" dirty="0">
                 <a:solidFill>
                   <a:srgbClr val="3958E3"/>
                 </a:solidFill>
@@ -31414,8 +31370,8 @@
         </p:nvSpPr>
         <p:spPr>
           <a:xfrm>
-            <a:off x="8460953" y="4282493"/>
-            <a:ext cx="6144936" cy="1998368"/>
+            <a:off x="10341540" y="4446634"/>
+            <a:ext cx="1373156" cy="1995611"/>
           </a:xfrm>
           <a:prstGeom prst="rect">
             <a:avLst/>
@@ -31435,16 +31391,6 @@
               <a:defRPr/>
             </a:pPr>
             <a:r>
-              <a:rPr lang="en-US" altLang="ko-KR" sz="1200" dirty="0">
-                <a:solidFill>
-                  <a:srgbClr val="8D9EE7"/>
-                </a:solidFill>
-                <a:latin typeface="나눔스퀘어OTF" panose="020B0600000101010101" pitchFamily="34" charset="-127"/>
-                <a:ea typeface="나눔스퀘어OTF" panose="020B0600000101010101" pitchFamily="34" charset="-127"/>
-              </a:rPr>
-              <a:t>2024.03.19~2024.03.20 :          </a:t>
-            </a:r>
-            <a:r>
               <a:rPr lang="ko-KR" altLang="en-US" sz="1200" dirty="0">
                 <a:solidFill>
                   <a:srgbClr val="8D9EE7"/>
@@ -31454,13 +31400,6 @@
               </a:rPr>
               <a:t>주제 기안</a:t>
             </a:r>
-            <a:endParaRPr lang="en-US" altLang="ko-KR" sz="1200" dirty="0">
-              <a:solidFill>
-                <a:srgbClr val="8D9EE7"/>
-              </a:solidFill>
-              <a:latin typeface="나눔스퀘어OTF" panose="020B0600000101010101" pitchFamily="34" charset="-127"/>
-              <a:ea typeface="나눔스퀘어OTF" panose="020B0600000101010101" pitchFamily="34" charset="-127"/>
-            </a:endParaRPr>
           </a:p>
           <a:p>
             <a:pPr>
@@ -31469,16 +31408,6 @@
               </a:lnSpc>
               <a:defRPr/>
             </a:pPr>
-            <a:r>
-              <a:rPr lang="en-US" altLang="ko-KR" sz="1200" dirty="0">
-                <a:solidFill>
-                  <a:srgbClr val="8D9EE7"/>
-                </a:solidFill>
-                <a:latin typeface="나눔스퀘어OTF" panose="020B0600000101010101" pitchFamily="34" charset="-127"/>
-                <a:ea typeface="나눔스퀘어OTF" panose="020B0600000101010101" pitchFamily="34" charset="-127"/>
-              </a:rPr>
-              <a:t>2024.03.19~2024.03.20 :   </a:t>
-            </a:r>
             <a:r>
               <a:rPr lang="ko-KR" altLang="en-US" sz="1200" dirty="0">
                 <a:solidFill>
@@ -31489,13 +31418,6 @@
               </a:rPr>
               <a:t>요구사항 정의</a:t>
             </a:r>
-            <a:endParaRPr lang="en-US" altLang="ko-KR" sz="1200" dirty="0">
-              <a:solidFill>
-                <a:srgbClr val="8D9EE7"/>
-              </a:solidFill>
-              <a:latin typeface="나눔스퀘어OTF" panose="020B0600000101010101" pitchFamily="34" charset="-127"/>
-              <a:ea typeface="나눔스퀘어OTF" panose="020B0600000101010101" pitchFamily="34" charset="-127"/>
-            </a:endParaRPr>
           </a:p>
           <a:p>
             <a:pPr>
@@ -31504,16 +31426,6 @@
               </a:lnSpc>
               <a:defRPr/>
             </a:pPr>
-            <a:r>
-              <a:rPr lang="en-US" altLang="ko-KR" sz="1200" dirty="0">
-                <a:solidFill>
-                  <a:srgbClr val="8D9EE7"/>
-                </a:solidFill>
-                <a:latin typeface="나눔스퀘어OTF" panose="020B0600000101010101" pitchFamily="34" charset="-127"/>
-                <a:ea typeface="나눔스퀘어OTF" panose="020B0600000101010101" pitchFamily="34" charset="-127"/>
-              </a:rPr>
-              <a:t>2024.03.21~2024.03.28 :   </a:t>
-            </a:r>
             <a:r>
               <a:rPr lang="ko-KR" altLang="en-US" sz="1200" dirty="0">
                 <a:solidFill>
@@ -31524,13 +31436,6 @@
               </a:rPr>
               <a:t>프로젝트 설계</a:t>
             </a:r>
-            <a:endParaRPr lang="en-US" altLang="ko-KR" sz="1200" dirty="0">
-              <a:solidFill>
-                <a:srgbClr val="8D9EE7"/>
-              </a:solidFill>
-              <a:latin typeface="나눔스퀘어OTF" panose="020B0600000101010101" pitchFamily="34" charset="-127"/>
-              <a:ea typeface="나눔스퀘어OTF" panose="020B0600000101010101" pitchFamily="34" charset="-127"/>
-            </a:endParaRPr>
           </a:p>
           <a:p>
             <a:pPr>
@@ -31539,16 +31444,6 @@
               </a:lnSpc>
               <a:defRPr/>
             </a:pPr>
-            <a:r>
-              <a:rPr lang="en-US" altLang="ko-KR" sz="1200" dirty="0">
-                <a:solidFill>
-                  <a:srgbClr val="8D9EE7"/>
-                </a:solidFill>
-                <a:latin typeface="나눔스퀘어OTF" panose="020B0600000101010101" pitchFamily="34" charset="-127"/>
-                <a:ea typeface="나눔스퀘어OTF" panose="020B0600000101010101" pitchFamily="34" charset="-127"/>
-              </a:rPr>
-              <a:t>2024.03.29~2024.03.29 :           </a:t>
-            </a:r>
             <a:r>
               <a:rPr lang="ko-KR" altLang="en-US" sz="1200" dirty="0">
                 <a:solidFill>
@@ -31559,13 +31454,6 @@
               </a:rPr>
               <a:t>중간 발표</a:t>
             </a:r>
-            <a:endParaRPr lang="en-US" altLang="ko-KR" sz="1200" dirty="0">
-              <a:solidFill>
-                <a:srgbClr val="8D9EE7"/>
-              </a:solidFill>
-              <a:latin typeface="나눔스퀘어OTF" panose="020B0600000101010101" pitchFamily="34" charset="-127"/>
-              <a:ea typeface="나눔스퀘어OTF" panose="020B0600000101010101" pitchFamily="34" charset="-127"/>
-            </a:endParaRPr>
           </a:p>
           <a:p>
             <a:pPr>
@@ -31574,16 +31462,6 @@
               </a:lnSpc>
               <a:defRPr/>
             </a:pPr>
-            <a:r>
-              <a:rPr lang="en-US" altLang="ko-KR" sz="1200" dirty="0">
-                <a:solidFill>
-                  <a:srgbClr val="8D9EE7"/>
-                </a:solidFill>
-                <a:latin typeface="나눔스퀘어OTF" panose="020B0600000101010101" pitchFamily="34" charset="-127"/>
-                <a:ea typeface="나눔스퀘어OTF" panose="020B0600000101010101" pitchFamily="34" charset="-127"/>
-              </a:rPr>
-              <a:t>2024.03.29~2024.04.12 :                   </a:t>
-            </a:r>
             <a:r>
               <a:rPr lang="ko-KR" altLang="en-US" sz="1200" dirty="0">
                 <a:solidFill>
@@ -31594,13 +31472,6 @@
               </a:rPr>
               <a:t>구현</a:t>
             </a:r>
-            <a:endParaRPr lang="en-US" altLang="ko-KR" sz="1200" dirty="0">
-              <a:solidFill>
-                <a:srgbClr val="8D9EE7"/>
-              </a:solidFill>
-              <a:latin typeface="나눔스퀘어OTF" panose="020B0600000101010101" pitchFamily="34" charset="-127"/>
-              <a:ea typeface="나눔스퀘어OTF" panose="020B0600000101010101" pitchFamily="34" charset="-127"/>
-            </a:endParaRPr>
           </a:p>
           <a:p>
             <a:pPr>
@@ -31609,16 +31480,6 @@
               </a:lnSpc>
               <a:defRPr/>
             </a:pPr>
-            <a:r>
-              <a:rPr lang="en-US" altLang="ko-KR" sz="1200" dirty="0">
-                <a:solidFill>
-                  <a:srgbClr val="8D9EE7"/>
-                </a:solidFill>
-                <a:latin typeface="나눔스퀘어OTF" panose="020B0600000101010101" pitchFamily="34" charset="-127"/>
-                <a:ea typeface="나눔스퀘어OTF" panose="020B0600000101010101" pitchFamily="34" charset="-127"/>
-              </a:rPr>
-              <a:t>2024.04.12~2024.04.15 :                </a:t>
-            </a:r>
             <a:r>
               <a:rPr lang="ko-KR" altLang="en-US" sz="1200" dirty="0">
                 <a:solidFill>
@@ -31645,16 +31506,6 @@
               <a:defRPr/>
             </a:pPr>
             <a:r>
-              <a:rPr lang="en-US" altLang="ko-KR" sz="1200" dirty="0">
-                <a:solidFill>
-                  <a:srgbClr val="8D9EE7"/>
-                </a:solidFill>
-                <a:latin typeface="나눔스퀘어OTF" panose="020B0600000101010101" pitchFamily="34" charset="-127"/>
-                <a:ea typeface="나눔스퀘어OTF" panose="020B0600000101010101" pitchFamily="34" charset="-127"/>
-              </a:rPr>
-              <a:t>2024.04.16~2024.04.16 :             </a:t>
-            </a:r>
-            <a:r>
               <a:rPr lang="ko-KR" altLang="en-US" sz="1200" dirty="0">
                 <a:solidFill>
                   <a:srgbClr val="8D9EE7"/>
@@ -31664,13 +31515,161 @@
               </a:rPr>
               <a:t>최종발표</a:t>
             </a:r>
-            <a:endParaRPr lang="en-US" altLang="ko-KR" sz="1200" dirty="0">
-              <a:solidFill>
-                <a:srgbClr val="8D9EE7"/>
-              </a:solidFill>
-              <a:latin typeface="나눔스퀘어OTF" panose="020B0600000101010101" pitchFamily="34" charset="-127"/>
-              <a:ea typeface="나눔스퀘어OTF" panose="020B0600000101010101" pitchFamily="34" charset="-127"/>
-            </a:endParaRPr>
+          </a:p>
+        </p:txBody>
+      </p:sp>
+      <p:sp>
+        <p:nvSpPr>
+          <p:cNvPr id="41" name="TextBox 40">
+            <a:extLst>
+              <a:ext uri="{FF2B5EF4-FFF2-40B4-BE49-F238E27FC236}">
+                <a16:creationId xmlns:a16="http://schemas.microsoft.com/office/drawing/2014/main" id="{9379D361-A5D1-47DB-8B30-D651F1C25D69}"/>
+              </a:ext>
+            </a:extLst>
+          </p:cNvPr>
+          <p:cNvSpPr txBox="1"/>
+          <p:nvPr/>
+        </p:nvSpPr>
+        <p:spPr>
+          <a:xfrm>
+            <a:off x="8452869" y="4425663"/>
+            <a:ext cx="2053890" cy="1995611"/>
+          </a:xfrm>
+          <a:prstGeom prst="rect">
+            <a:avLst/>
+          </a:prstGeom>
+          <a:noFill/>
+        </p:spPr>
+        <p:txBody>
+          <a:bodyPr wrap="square">
+            <a:spAutoFit/>
+          </a:bodyPr>
+          <a:lstStyle/>
+          <a:p>
+            <a:pPr>
+              <a:lnSpc>
+                <a:spcPct val="150000"/>
+              </a:lnSpc>
+              <a:defRPr/>
+            </a:pPr>
+            <a:r>
+              <a:rPr lang="en-US" altLang="ko-KR" sz="1200" dirty="0">
+                <a:solidFill>
+                  <a:srgbClr val="8D9EE7"/>
+                </a:solidFill>
+                <a:latin typeface="나눔스퀘어OTF" panose="020B0600000101010101" pitchFamily="34" charset="-127"/>
+                <a:ea typeface="나눔스퀘어OTF" panose="020B0600000101010101" pitchFamily="34" charset="-127"/>
+              </a:rPr>
+              <a:t>2024.03.19~2024.03.20 :</a:t>
+            </a:r>
+          </a:p>
+          <a:p>
+            <a:pPr>
+              <a:lnSpc>
+                <a:spcPct val="150000"/>
+              </a:lnSpc>
+              <a:defRPr/>
+            </a:pPr>
+            <a:r>
+              <a:rPr lang="en-US" altLang="ko-KR" sz="1200" dirty="0">
+                <a:solidFill>
+                  <a:srgbClr val="8D9EE7"/>
+                </a:solidFill>
+                <a:latin typeface="나눔스퀘어OTF" panose="020B0600000101010101" pitchFamily="34" charset="-127"/>
+                <a:ea typeface="나눔스퀘어OTF" panose="020B0600000101010101" pitchFamily="34" charset="-127"/>
+              </a:rPr>
+              <a:t>2024.03.19~2024.03.20 :</a:t>
+            </a:r>
+          </a:p>
+          <a:p>
+            <a:pPr>
+              <a:lnSpc>
+                <a:spcPct val="150000"/>
+              </a:lnSpc>
+              <a:defRPr/>
+            </a:pPr>
+            <a:r>
+              <a:rPr lang="en-US" altLang="ko-KR" sz="1200" dirty="0">
+                <a:solidFill>
+                  <a:srgbClr val="8D9EE7"/>
+                </a:solidFill>
+                <a:latin typeface="나눔스퀘어OTF" panose="020B0600000101010101" pitchFamily="34" charset="-127"/>
+                <a:ea typeface="나눔스퀘어OTF" panose="020B0600000101010101" pitchFamily="34" charset="-127"/>
+              </a:rPr>
+              <a:t>2024.03.21~2024.03.28 :</a:t>
+            </a:r>
+          </a:p>
+          <a:p>
+            <a:pPr>
+              <a:lnSpc>
+                <a:spcPct val="150000"/>
+              </a:lnSpc>
+              <a:defRPr/>
+            </a:pPr>
+            <a:r>
+              <a:rPr lang="en-US" altLang="ko-KR" sz="1200" dirty="0">
+                <a:solidFill>
+                  <a:srgbClr val="8D9EE7"/>
+                </a:solidFill>
+                <a:latin typeface="나눔스퀘어OTF" panose="020B0600000101010101" pitchFamily="34" charset="-127"/>
+                <a:ea typeface="나눔스퀘어OTF" panose="020B0600000101010101" pitchFamily="34" charset="-127"/>
+              </a:rPr>
+              <a:t>2024.03.29~2024.03.29 :</a:t>
+            </a:r>
+          </a:p>
+          <a:p>
+            <a:pPr>
+              <a:lnSpc>
+                <a:spcPct val="150000"/>
+              </a:lnSpc>
+              <a:defRPr/>
+            </a:pPr>
+            <a:r>
+              <a:rPr lang="en-US" altLang="ko-KR" sz="1200" dirty="0">
+                <a:solidFill>
+                  <a:srgbClr val="8D9EE7"/>
+                </a:solidFill>
+                <a:latin typeface="나눔스퀘어OTF" panose="020B0600000101010101" pitchFamily="34" charset="-127"/>
+                <a:ea typeface="나눔스퀘어OTF" panose="020B0600000101010101" pitchFamily="34" charset="-127"/>
+              </a:rPr>
+              <a:t>2024.03.29~2024.04.12 :</a:t>
+            </a:r>
+          </a:p>
+          <a:p>
+            <a:pPr>
+              <a:lnSpc>
+                <a:spcPct val="150000"/>
+              </a:lnSpc>
+              <a:defRPr/>
+            </a:pPr>
+            <a:r>
+              <a:rPr lang="en-US" altLang="ko-KR" sz="1200" dirty="0">
+                <a:solidFill>
+                  <a:srgbClr val="8D9EE7"/>
+                </a:solidFill>
+                <a:latin typeface="나눔스퀘어OTF" panose="020B0600000101010101" pitchFamily="34" charset="-127"/>
+                <a:ea typeface="나눔스퀘어OTF" panose="020B0600000101010101" pitchFamily="34" charset="-127"/>
+              </a:rPr>
+              <a:t>2024.04.12~2024.04.15 :</a:t>
+            </a:r>
+          </a:p>
+          <a:p>
+            <a:pPr>
+              <a:lnSpc>
+                <a:spcPct val="150000"/>
+              </a:lnSpc>
+              <a:defRPr/>
+            </a:pPr>
+            <a:r>
+              <a:rPr lang="en-US" altLang="ko-KR" sz="1200" dirty="0">
+                <a:solidFill>
+                  <a:srgbClr val="8D9EE7"/>
+                </a:solidFill>
+                <a:latin typeface="나눔스퀘어OTF" panose="020B0600000101010101" pitchFamily="34" charset="-127"/>
+                <a:ea typeface="나눔스퀘어OTF" panose="020B0600000101010101" pitchFamily="34" charset="-127"/>
+              </a:rPr>
+              <a:t>2024.04.16~2024.04.16 :</a:t>
+            </a:r>
           </a:p>
         </p:txBody>
       </p:sp>
@@ -32406,13 +32405,13 @@
   <p:clrMapOvr>
     <a:masterClrMapping/>
   </p:clrMapOvr>
-  <mc:AlternateContent xmlns:mc="http://schemas.openxmlformats.org/markup-compatibility/2006">
-    <mc:Choice xmlns:p14="http://schemas.microsoft.com/office/powerpoint/2010/main" Requires="p14">
+  <mc:AlternateContent xmlns:mc="http://schemas.openxmlformats.org/markup-compatibility/2006" xmlns:p14="http://schemas.microsoft.com/office/powerpoint/2010/main">
+    <mc:Choice Requires="p14">
       <p:transition spd="med" p14:dur="700">
         <p:fade/>
       </p:transition>
     </mc:Choice>
-    <mc:Fallback>
+    <mc:Fallback xmlns="">
       <p:transition spd="med">
         <p:fade/>
       </p:transition>
@@ -33094,13 +33093,13 @@
   <p:clrMapOvr>
     <a:masterClrMapping/>
   </p:clrMapOvr>
-  <mc:AlternateContent xmlns:mc="http://schemas.openxmlformats.org/markup-compatibility/2006">
-    <mc:Choice xmlns:p14="http://schemas.microsoft.com/office/powerpoint/2010/main" Requires="p14">
+  <mc:AlternateContent xmlns:mc="http://schemas.openxmlformats.org/markup-compatibility/2006" xmlns:p14="http://schemas.microsoft.com/office/powerpoint/2010/main">
+    <mc:Choice Requires="p14">
       <p:transition spd="med" p14:dur="700">
         <p:fade/>
       </p:transition>
     </mc:Choice>
-    <mc:Fallback>
+    <mc:Fallback xmlns="">
       <p:transition spd="med">
         <p:fade/>
       </p:transition>
@@ -33777,7 +33776,7 @@
           <a:lstStyle/>
           <a:p>
             <a:r>
-              <a:rPr lang="ko-KR" altLang="en-US" sz="1300">
+              <a:rPr lang="ko-KR" altLang="en-US" sz="1200" dirty="0">
                 <a:solidFill>
                   <a:schemeClr val="tx1"/>
                 </a:solidFill>
@@ -33786,13 +33785,6 @@
               </a:rPr>
               <a:t>댓글을 달면 블로그 주인에게 실시간 알림이 간다</a:t>
             </a:r>
-            <a:endParaRPr lang="ko-KR" altLang="en-US" sz="1300" dirty="0">
-              <a:solidFill>
-                <a:schemeClr val="tx1"/>
-              </a:solidFill>
-              <a:latin typeface="나눔스퀘어OTF" panose="020B0600000101010101" pitchFamily="34" charset="-127"/>
-              <a:ea typeface="나눔스퀘어OTF" panose="020B0600000101010101" pitchFamily="34" charset="-127"/>
-            </a:endParaRPr>
           </a:p>
         </p:txBody>
       </p:sp>
@@ -33850,13 +33842,13 @@
   <p:clrMapOvr>
     <a:masterClrMapping/>
   </p:clrMapOvr>
-  <mc:AlternateContent xmlns:mc="http://schemas.openxmlformats.org/markup-compatibility/2006">
-    <mc:Choice xmlns:p14="http://schemas.microsoft.com/office/powerpoint/2010/main" Requires="p14">
+  <mc:AlternateContent xmlns:mc="http://schemas.openxmlformats.org/markup-compatibility/2006" xmlns:p14="http://schemas.microsoft.com/office/powerpoint/2010/main">
+    <mc:Choice Requires="p14">
       <p:transition spd="med" p14:dur="700">
         <p:fade/>
       </p:transition>
     </mc:Choice>
-    <mc:Fallback>
+    <mc:Fallback xmlns="">
       <p:transition spd="med">
         <p:fade/>
       </p:transition>
@@ -34563,7 +34555,7 @@
           <a:lstStyle/>
           <a:p>
             <a:r>
-              <a:rPr lang="ko-KR" altLang="en-US" sz="1300" dirty="0">
+              <a:rPr lang="ko-KR" altLang="en-US" sz="1200" dirty="0">
                 <a:solidFill>
                   <a:schemeClr val="tx1"/>
                 </a:solidFill>
@@ -34572,7 +34564,7 @@
               </a:rPr>
               <a:t>알림 아이콘 클릭 시</a:t>
             </a:r>
-            <a:endParaRPr lang="en-US" altLang="ko-KR" sz="1300" dirty="0">
+            <a:endParaRPr lang="en-US" altLang="ko-KR" sz="1200" dirty="0">
               <a:solidFill>
                 <a:schemeClr val="tx1"/>
               </a:solidFill>
@@ -34592,13 +34584,13 @@
   <p:clrMapOvr>
     <a:masterClrMapping/>
   </p:clrMapOvr>
-  <mc:AlternateContent xmlns:mc="http://schemas.openxmlformats.org/markup-compatibility/2006">
-    <mc:Choice xmlns:p14="http://schemas.microsoft.com/office/powerpoint/2010/main" Requires="p14">
+  <mc:AlternateContent xmlns:mc="http://schemas.openxmlformats.org/markup-compatibility/2006" xmlns:p14="http://schemas.microsoft.com/office/powerpoint/2010/main">
+    <mc:Choice Requires="p14">
       <p:transition spd="med" p14:dur="700">
         <p:fade/>
       </p:transition>
     </mc:Choice>
-    <mc:Fallback>
+    <mc:Fallback xmlns="">
       <p:transition spd="med">
         <p:fade/>
       </p:transition>
@@ -35275,7 +35267,7 @@
           <a:lstStyle/>
           <a:p>
             <a:r>
-              <a:rPr lang="ko-KR" altLang="en-US" sz="1300">
+              <a:rPr lang="ko-KR" altLang="en-US" sz="1200" dirty="0">
                 <a:solidFill>
                   <a:schemeClr val="tx1"/>
                 </a:solidFill>
@@ -35284,13 +35276,6 @@
               </a:rPr>
               <a:t>답글 클릭 시</a:t>
             </a:r>
-            <a:endParaRPr lang="ko-KR" altLang="en-US" sz="1300" dirty="0">
-              <a:solidFill>
-                <a:schemeClr val="tx1"/>
-              </a:solidFill>
-              <a:latin typeface="나눔스퀘어OTF" panose="020B0600000101010101" pitchFamily="34" charset="-127"/>
-              <a:ea typeface="나눔스퀘어OTF" panose="020B0600000101010101" pitchFamily="34" charset="-127"/>
-            </a:endParaRPr>
           </a:p>
         </p:txBody>
       </p:sp>
@@ -35311,8 +35296,8 @@
         </p:nvCxnSpPr>
         <p:spPr>
           <a:xfrm flipH="1" flipV="1">
-            <a:off x="9994463" y="1912065"/>
-            <a:ext cx="1109514" cy="209988"/>
+            <a:off x="9994464" y="1912065"/>
+            <a:ext cx="1141130" cy="209988"/>
           </a:xfrm>
           <a:prstGeom prst="straightConnector1">
             <a:avLst/>
@@ -35354,7 +35339,7 @@
         <p:spPr>
           <a:xfrm>
             <a:off x="10252252" y="2122053"/>
-            <a:ext cx="1703449" cy="531569"/>
+            <a:ext cx="1766684" cy="531569"/>
           </a:xfrm>
           <a:prstGeom prst="roundRect">
             <a:avLst/>
@@ -35385,7 +35370,7 @@
           <a:lstStyle/>
           <a:p>
             <a:r>
-              <a:rPr lang="ko-KR" altLang="en-US" sz="1300" dirty="0">
+              <a:rPr lang="ko-KR" altLang="en-US" sz="1200" dirty="0">
                 <a:solidFill>
                   <a:schemeClr val="tx1"/>
                 </a:solidFill>
@@ -35395,7 +35380,7 @@
               <a:t>수정</a:t>
             </a:r>
             <a:r>
-              <a:rPr lang="en-US" altLang="ko-KR" sz="1300" dirty="0">
+              <a:rPr lang="en-US" altLang="ko-KR" sz="1200" dirty="0">
                 <a:solidFill>
                   <a:schemeClr val="tx1"/>
                 </a:solidFill>
@@ -35405,7 +35390,7 @@
               <a:t>/</a:t>
             </a:r>
             <a:r>
-              <a:rPr lang="ko-KR" altLang="en-US" sz="1300" dirty="0">
+              <a:rPr lang="ko-KR" altLang="en-US" sz="1200" dirty="0">
                 <a:solidFill>
                   <a:schemeClr val="tx1"/>
                 </a:solidFill>
@@ -35427,13 +35412,13 @@
   <p:clrMapOvr>
     <a:masterClrMapping/>
   </p:clrMapOvr>
-  <mc:AlternateContent xmlns:mc="http://schemas.openxmlformats.org/markup-compatibility/2006">
-    <mc:Choice xmlns:p14="http://schemas.microsoft.com/office/powerpoint/2010/main" Requires="p14">
+  <mc:AlternateContent xmlns:mc="http://schemas.openxmlformats.org/markup-compatibility/2006" xmlns:p14="http://schemas.microsoft.com/office/powerpoint/2010/main">
+    <mc:Choice Requires="p14">
       <p:transition spd="med" p14:dur="700">
         <p:fade/>
       </p:transition>
     </mc:Choice>
-    <mc:Fallback>
+    <mc:Fallback xmlns="">
       <p:transition spd="med">
         <p:fade/>
       </p:transition>
@@ -36140,7 +36125,7 @@
           <a:lstStyle/>
           <a:p>
             <a:r>
-              <a:rPr lang="ko-KR" altLang="en-US" sz="1300" dirty="0">
+              <a:rPr lang="ko-KR" altLang="en-US" sz="1200" dirty="0">
                 <a:solidFill>
                   <a:schemeClr val="tx1"/>
                 </a:solidFill>
@@ -36149,7 +36134,7 @@
               </a:rPr>
               <a:t>블로그 수정을</a:t>
             </a:r>
-            <a:endParaRPr lang="en-US" altLang="ko-KR" sz="1300" dirty="0">
+            <a:endParaRPr lang="en-US" altLang="ko-KR" sz="1200" dirty="0">
               <a:solidFill>
                 <a:schemeClr val="tx1"/>
               </a:solidFill>
@@ -36159,7 +36144,7 @@
           </a:p>
           <a:p>
             <a:r>
-              <a:rPr lang="ko-KR" altLang="en-US" sz="1300" dirty="0">
+              <a:rPr lang="ko-KR" altLang="en-US" sz="1200" dirty="0">
                 <a:solidFill>
                   <a:schemeClr val="tx1"/>
                 </a:solidFill>
@@ -36181,13 +36166,13 @@
   <p:clrMapOvr>
     <a:masterClrMapping/>
   </p:clrMapOvr>
-  <mc:AlternateContent xmlns:mc="http://schemas.openxmlformats.org/markup-compatibility/2006">
-    <mc:Choice xmlns:p14="http://schemas.microsoft.com/office/powerpoint/2010/main" Requires="p14">
+  <mc:AlternateContent xmlns:mc="http://schemas.openxmlformats.org/markup-compatibility/2006" xmlns:p14="http://schemas.microsoft.com/office/powerpoint/2010/main">
+    <mc:Choice Requires="p14">
       <p:transition spd="med" p14:dur="700">
         <p:fade/>
       </p:transition>
     </mc:Choice>
-    <mc:Fallback>
+    <mc:Fallback xmlns="">
       <p:transition spd="med">
         <p:fade/>
       </p:transition>
@@ -36790,8 +36775,8 @@
         </p:nvCxnSpPr>
         <p:spPr>
           <a:xfrm flipH="1" flipV="1">
-            <a:off x="10148048" y="2075847"/>
-            <a:ext cx="1019166" cy="343424"/>
+            <a:off x="10148049" y="2075847"/>
+            <a:ext cx="1006858" cy="343424"/>
           </a:xfrm>
           <a:prstGeom prst="straightConnector1">
             <a:avLst/>
@@ -36832,8 +36817,8 @@
         </p:nvSpPr>
         <p:spPr>
           <a:xfrm>
-            <a:off x="10315489" y="2419271"/>
-            <a:ext cx="1703449" cy="531569"/>
+            <a:off x="10290875" y="2419271"/>
+            <a:ext cx="1728063" cy="531569"/>
           </a:xfrm>
           <a:prstGeom prst="roundRect">
             <a:avLst/>
@@ -36864,7 +36849,7 @@
           <a:lstStyle/>
           <a:p>
             <a:r>
-              <a:rPr lang="ko-KR" altLang="en-US" sz="1300">
+              <a:rPr lang="ko-KR" altLang="en-US" sz="1200" dirty="0">
                 <a:solidFill>
                   <a:schemeClr val="tx1"/>
                 </a:solidFill>
@@ -36873,13 +36858,6 @@
               </a:rPr>
               <a:t>첨부파일도 수정 가능</a:t>
             </a:r>
-            <a:endParaRPr lang="ko-KR" altLang="en-US" sz="1300" dirty="0">
-              <a:solidFill>
-                <a:schemeClr val="tx1"/>
-              </a:solidFill>
-              <a:latin typeface="나눔스퀘어OTF" panose="020B0600000101010101" pitchFamily="34" charset="-127"/>
-              <a:ea typeface="나눔스퀘어OTF" panose="020B0600000101010101" pitchFamily="34" charset="-127"/>
-            </a:endParaRPr>
           </a:p>
         </p:txBody>
       </p:sp>
@@ -36893,13 +36871,13 @@
   <p:clrMapOvr>
     <a:masterClrMapping/>
   </p:clrMapOvr>
-  <mc:AlternateContent xmlns:mc="http://schemas.openxmlformats.org/markup-compatibility/2006">
-    <mc:Choice xmlns:p14="http://schemas.microsoft.com/office/powerpoint/2010/main" Requires="p14">
+  <mc:AlternateContent xmlns:mc="http://schemas.openxmlformats.org/markup-compatibility/2006" xmlns:p14="http://schemas.microsoft.com/office/powerpoint/2010/main">
+    <mc:Choice Requires="p14">
       <p:transition spd="med" p14:dur="700">
         <p:fade/>
       </p:transition>
     </mc:Choice>
-    <mc:Fallback>
+    <mc:Fallback xmlns="">
       <p:transition spd="med">
         <p:fade/>
       </p:transition>
@@ -37576,7 +37554,7 @@
           <a:lstStyle/>
           <a:p>
             <a:r>
-              <a:rPr lang="ko-KR" altLang="en-US" sz="1300">
+              <a:rPr lang="ko-KR" altLang="en-US" sz="1200" dirty="0">
                 <a:solidFill>
                   <a:schemeClr val="tx1"/>
                 </a:solidFill>
@@ -37585,13 +37563,6 @@
               </a:rPr>
               <a:t>게시판 아이콘 클릭 시</a:t>
             </a:r>
-            <a:endParaRPr lang="ko-KR" altLang="en-US" sz="1300" dirty="0">
-              <a:solidFill>
-                <a:schemeClr val="tx1"/>
-              </a:solidFill>
-              <a:latin typeface="나눔스퀘어OTF" panose="020B0600000101010101" pitchFamily="34" charset="-127"/>
-              <a:ea typeface="나눔스퀘어OTF" panose="020B0600000101010101" pitchFamily="34" charset="-127"/>
-            </a:endParaRPr>
           </a:p>
         </p:txBody>
       </p:sp>
@@ -38322,7 +38293,7 @@
           <a:lstStyle/>
           <a:p>
             <a:r>
-              <a:rPr lang="ko-KR" altLang="en-US" sz="1300">
+              <a:rPr lang="ko-KR" altLang="en-US" sz="1200" dirty="0">
                 <a:solidFill>
                   <a:schemeClr val="tx1"/>
                 </a:solidFill>
@@ -38331,13 +38302,6 @@
               </a:rPr>
               <a:t>글쓰기 클릭 한 경우</a:t>
             </a:r>
-            <a:endParaRPr lang="ko-KR" altLang="en-US" sz="1300" dirty="0">
-              <a:solidFill>
-                <a:schemeClr val="tx1"/>
-              </a:solidFill>
-              <a:latin typeface="나눔스퀘어OTF" panose="020B0600000101010101" pitchFamily="34" charset="-127"/>
-              <a:ea typeface="나눔스퀘어OTF" panose="020B0600000101010101" pitchFamily="34" charset="-127"/>
-            </a:endParaRPr>
           </a:p>
         </p:txBody>
       </p:sp>
@@ -38351,13 +38315,13 @@
   <p:clrMapOvr>
     <a:masterClrMapping/>
   </p:clrMapOvr>
-  <mc:AlternateContent xmlns:mc="http://schemas.openxmlformats.org/markup-compatibility/2006">
-    <mc:Choice xmlns:p14="http://schemas.microsoft.com/office/powerpoint/2010/main" Requires="p14">
+  <mc:AlternateContent xmlns:mc="http://schemas.openxmlformats.org/markup-compatibility/2006" xmlns:p14="http://schemas.microsoft.com/office/powerpoint/2010/main">
+    <mc:Choice Requires="p14">
       <p:transition spd="med" p14:dur="700">
         <p:fade/>
       </p:transition>
     </mc:Choice>
-    <mc:Fallback>
+    <mc:Fallback xmlns="">
       <p:transition spd="med">
         <p:fade/>
       </p:transition>
@@ -38953,13 +38917,13 @@
   <p:clrMapOvr>
     <a:masterClrMapping/>
   </p:clrMapOvr>
-  <mc:AlternateContent xmlns:mc="http://schemas.openxmlformats.org/markup-compatibility/2006">
-    <mc:Choice xmlns:p14="http://schemas.microsoft.com/office/powerpoint/2010/main" Requires="p14">
+  <mc:AlternateContent xmlns:mc="http://schemas.openxmlformats.org/markup-compatibility/2006" xmlns:p14="http://schemas.microsoft.com/office/powerpoint/2010/main">
+    <mc:Choice Requires="p14">
       <p:transition spd="med" p14:dur="700">
         <p:fade/>
       </p:transition>
     </mc:Choice>
-    <mc:Fallback>
+    <mc:Fallback xmlns="">
       <p:transition spd="med">
         <p:fade/>
       </p:transition>
@@ -41898,13 +41862,13 @@
   <p:clrMapOvr>
     <a:masterClrMapping/>
   </p:clrMapOvr>
-  <mc:AlternateContent xmlns:mc="http://schemas.openxmlformats.org/markup-compatibility/2006">
-    <mc:Choice xmlns:p14="http://schemas.microsoft.com/office/powerpoint/2010/main" Requires="p14">
+  <mc:AlternateContent xmlns:mc="http://schemas.openxmlformats.org/markup-compatibility/2006" xmlns:p14="http://schemas.microsoft.com/office/powerpoint/2010/main">
+    <mc:Choice Requires="p14">
       <p:transition spd="med" p14:dur="700">
         <p:fade/>
       </p:transition>
     </mc:Choice>
-    <mc:Fallback>
+    <mc:Fallback xmlns="">
       <p:transition spd="med">
         <p:fade/>
       </p:transition>
@@ -42574,13 +42538,13 @@
   <p:clrMapOvr>
     <a:masterClrMapping/>
   </p:clrMapOvr>
-  <mc:AlternateContent xmlns:mc="http://schemas.openxmlformats.org/markup-compatibility/2006">
-    <mc:Choice xmlns:p14="http://schemas.microsoft.com/office/powerpoint/2010/main" Requires="p14">
+  <mc:AlternateContent xmlns:mc="http://schemas.openxmlformats.org/markup-compatibility/2006" xmlns:p14="http://schemas.microsoft.com/office/powerpoint/2010/main">
+    <mc:Choice Requires="p14">
       <p:transition spd="med" p14:dur="700">
         <p:fade/>
       </p:transition>
     </mc:Choice>
-    <mc:Fallback>
+    <mc:Fallback xmlns="">
       <p:transition spd="med">
         <p:fade/>
       </p:transition>
@@ -43184,7 +43148,7 @@
         <p:spPr>
           <a:xfrm flipH="1" flipV="1">
             <a:off x="2052918" y="3621741"/>
-            <a:ext cx="4831206" cy="1270406"/>
+            <a:ext cx="4455372" cy="1270406"/>
           </a:xfrm>
           <a:prstGeom prst="straightConnector1">
             <a:avLst/>
@@ -43226,7 +43190,7 @@
         <p:spPr>
           <a:xfrm>
             <a:off x="5081448" y="4892147"/>
-            <a:ext cx="3605352" cy="531569"/>
+            <a:ext cx="2853684" cy="531569"/>
           </a:xfrm>
           <a:prstGeom prst="roundRect">
             <a:avLst/>
@@ -43962,13 +43926,13 @@
   <p:clrMapOvr>
     <a:masterClrMapping/>
   </p:clrMapOvr>
-  <mc:AlternateContent xmlns:mc="http://schemas.openxmlformats.org/markup-compatibility/2006">
-    <mc:Choice xmlns:p14="http://schemas.microsoft.com/office/powerpoint/2010/main" Requires="p14">
+  <mc:AlternateContent xmlns:mc="http://schemas.openxmlformats.org/markup-compatibility/2006" xmlns:p14="http://schemas.microsoft.com/office/powerpoint/2010/main">
+    <mc:Choice Requires="p14">
       <p:transition spd="med" p14:dur="700">
         <p:fade/>
       </p:transition>
     </mc:Choice>
-    <mc:Fallback>
+    <mc:Fallback xmlns="">
       <p:transition spd="med">
         <p:fade/>
       </p:transition>
@@ -44564,13 +44528,13 @@
   <p:clrMapOvr>
     <a:masterClrMapping/>
   </p:clrMapOvr>
-  <mc:AlternateContent xmlns:mc="http://schemas.openxmlformats.org/markup-compatibility/2006">
-    <mc:Choice xmlns:p14="http://schemas.microsoft.com/office/powerpoint/2010/main" Requires="p14">
+  <mc:AlternateContent xmlns:mc="http://schemas.openxmlformats.org/markup-compatibility/2006" xmlns:p14="http://schemas.microsoft.com/office/powerpoint/2010/main">
+    <mc:Choice Requires="p14">
       <p:transition spd="med" p14:dur="700">
         <p:fade/>
       </p:transition>
     </mc:Choice>
-    <mc:Fallback>
+    <mc:Fallback xmlns="">
       <p:transition spd="med">
         <p:fade/>
       </p:transition>
@@ -45196,13 +45160,13 @@
   <p:clrMapOvr>
     <a:masterClrMapping/>
   </p:clrMapOvr>
-  <mc:AlternateContent xmlns:mc="http://schemas.openxmlformats.org/markup-compatibility/2006">
-    <mc:Choice xmlns:p14="http://schemas.microsoft.com/office/powerpoint/2010/main" Requires="p14">
+  <mc:AlternateContent xmlns:mc="http://schemas.openxmlformats.org/markup-compatibility/2006" xmlns:p14="http://schemas.microsoft.com/office/powerpoint/2010/main">
+    <mc:Choice Requires="p14">
       <p:transition spd="med" p14:dur="700">
         <p:fade/>
       </p:transition>
     </mc:Choice>
-    <mc:Fallback>
+    <mc:Fallback xmlns="">
       <p:transition spd="med">
         <p:fade/>
       </p:transition>
@@ -45901,13 +45865,13 @@
   <p:clrMapOvr>
     <a:masterClrMapping/>
   </p:clrMapOvr>
-  <mc:AlternateContent xmlns:mc="http://schemas.openxmlformats.org/markup-compatibility/2006">
-    <mc:Choice xmlns:p14="http://schemas.microsoft.com/office/powerpoint/2010/main" Requires="p14">
+  <mc:AlternateContent xmlns:mc="http://schemas.openxmlformats.org/markup-compatibility/2006" xmlns:p14="http://schemas.microsoft.com/office/powerpoint/2010/main">
+    <mc:Choice Requires="p14">
       <p:transition spd="med" p14:dur="700">
         <p:fade/>
       </p:transition>
     </mc:Choice>
-    <mc:Fallback>
+    <mc:Fallback xmlns="">
       <p:transition spd="med">
         <p:fade/>
       </p:transition>
@@ -46606,13 +46570,13 @@
   <p:clrMapOvr>
     <a:masterClrMapping/>
   </p:clrMapOvr>
-  <mc:AlternateContent xmlns:mc="http://schemas.openxmlformats.org/markup-compatibility/2006">
-    <mc:Choice xmlns:p14="http://schemas.microsoft.com/office/powerpoint/2010/main" Requires="p14">
+  <mc:AlternateContent xmlns:mc="http://schemas.openxmlformats.org/markup-compatibility/2006" xmlns:p14="http://schemas.microsoft.com/office/powerpoint/2010/main">
+    <mc:Choice Requires="p14">
       <p:transition spd="med" p14:dur="700">
         <p:fade/>
       </p:transition>
     </mc:Choice>
-    <mc:Fallback>
+    <mc:Fallback xmlns="">
       <p:transition spd="med">
         <p:fade/>
       </p:transition>
@@ -47665,7 +47629,7 @@
         <p:spPr>
           <a:xfrm>
             <a:off x="4792586" y="2778052"/>
-            <a:ext cx="2603174" cy="1569660"/>
+            <a:ext cx="2603174" cy="1477328"/>
           </a:xfrm>
           <a:prstGeom prst="rect">
             <a:avLst/>
@@ -47680,7 +47644,7 @@
           <a:p>
             <a:pPr algn="ctr"/>
             <a:r>
-              <a:rPr lang="ko-KR" altLang="en-US" sz="4800" dirty="0">
+              <a:rPr lang="ko-KR" altLang="en-US" sz="4500" dirty="0">
                 <a:solidFill>
                   <a:schemeClr val="bg1"/>
                 </a:solidFill>
@@ -47689,7 +47653,7 @@
               </a:rPr>
               <a:t>프로그램</a:t>
             </a:r>
-            <a:endParaRPr lang="en-US" altLang="ko-KR" sz="4800" dirty="0">
+            <a:endParaRPr lang="en-US" altLang="ko-KR" sz="4500" dirty="0">
               <a:solidFill>
                 <a:schemeClr val="bg1"/>
               </a:solidFill>
@@ -47700,7 +47664,7 @@
           <a:p>
             <a:pPr algn="ctr"/>
             <a:r>
-              <a:rPr lang="ko-KR" altLang="en-US" sz="4800" dirty="0">
+              <a:rPr lang="ko-KR" altLang="en-US" sz="4500" dirty="0">
                 <a:solidFill>
                   <a:srgbClr val="3958E3"/>
                 </a:solidFill>
@@ -49555,13 +49519,13 @@
   <p:clrMapOvr>
     <a:masterClrMapping/>
   </p:clrMapOvr>
-  <mc:AlternateContent xmlns:mc="http://schemas.openxmlformats.org/markup-compatibility/2006">
-    <mc:Choice xmlns:p14="http://schemas.microsoft.com/office/powerpoint/2010/main" Requires="p14">
+  <mc:AlternateContent xmlns:mc="http://schemas.openxmlformats.org/markup-compatibility/2006" xmlns:p14="http://schemas.microsoft.com/office/powerpoint/2010/main">
+    <mc:Choice Requires="p14">
       <p:transition spd="med" p14:dur="700">
         <p:fade/>
       </p:transition>
     </mc:Choice>
-    <mc:Fallback>
+    <mc:Fallback xmlns="">
       <p:transition spd="med">
         <p:fade/>
       </p:transition>
@@ -50156,13 +50120,13 @@
   <p:clrMapOvr>
     <a:masterClrMapping/>
   </p:clrMapOvr>
-  <mc:AlternateContent xmlns:mc="http://schemas.openxmlformats.org/markup-compatibility/2006">
-    <mc:Choice xmlns:p14="http://schemas.microsoft.com/office/powerpoint/2010/main" Requires="p14">
+  <mc:AlternateContent xmlns:mc="http://schemas.openxmlformats.org/markup-compatibility/2006" xmlns:p14="http://schemas.microsoft.com/office/powerpoint/2010/main">
+    <mc:Choice Requires="p14">
       <p:transition spd="med" p14:dur="700">
         <p:fade/>
       </p:transition>
     </mc:Choice>
-    <mc:Fallback>
+    <mc:Fallback xmlns="">
       <p:transition spd="med">
         <p:fade/>
       </p:transition>
@@ -50757,13 +50721,13 @@
   <p:clrMapOvr>
     <a:masterClrMapping/>
   </p:clrMapOvr>
-  <mc:AlternateContent xmlns:mc="http://schemas.openxmlformats.org/markup-compatibility/2006">
-    <mc:Choice xmlns:p14="http://schemas.microsoft.com/office/powerpoint/2010/main" Requires="p14">
+  <mc:AlternateContent xmlns:mc="http://schemas.openxmlformats.org/markup-compatibility/2006" xmlns:p14="http://schemas.microsoft.com/office/powerpoint/2010/main">
+    <mc:Choice Requires="p14">
       <p:transition spd="med" p14:dur="700">
         <p:fade/>
       </p:transition>
     </mc:Choice>
-    <mc:Fallback>
+    <mc:Fallback xmlns="">
       <p:transition spd="med">
         <p:fade/>
       </p:transition>
@@ -51358,13 +51322,13 @@
   <p:clrMapOvr>
     <a:masterClrMapping/>
   </p:clrMapOvr>
-  <mc:AlternateContent xmlns:mc="http://schemas.openxmlformats.org/markup-compatibility/2006">
-    <mc:Choice xmlns:p14="http://schemas.microsoft.com/office/powerpoint/2010/main" Requires="p14">
+  <mc:AlternateContent xmlns:mc="http://schemas.openxmlformats.org/markup-compatibility/2006" xmlns:p14="http://schemas.microsoft.com/office/powerpoint/2010/main">
+    <mc:Choice Requires="p14">
       <p:transition spd="med" p14:dur="700">
         <p:fade/>
       </p:transition>
     </mc:Choice>
-    <mc:Fallback>
+    <mc:Fallback xmlns="">
       <p:transition spd="med">
         <p:fade/>
       </p:transition>
